--- a/content/06-virtualization-and-containerization.pptx
+++ b/content/06-virtualization-and-containerization.pptx
@@ -5,23 +5,25 @@
     <p:sldMasterId id="2147483696" r:id="rId1"/>
   </p:sldMasterIdLst>
   <p:notesMasterIdLst>
-    <p:notesMasterId r:id="rId16"/>
+    <p:notesMasterId r:id="rId18"/>
   </p:notesMasterIdLst>
   <p:sldIdLst>
     <p:sldId id="297" r:id="rId2"/>
     <p:sldId id="289" r:id="rId3"/>
     <p:sldId id="258" r:id="rId4"/>
-    <p:sldId id="296" r:id="rId5"/>
+    <p:sldId id="314" r:id="rId5"/>
     <p:sldId id="304" r:id="rId6"/>
     <p:sldId id="298" r:id="rId7"/>
     <p:sldId id="311" r:id="rId8"/>
     <p:sldId id="312" r:id="rId9"/>
-    <p:sldId id="313" r:id="rId10"/>
-    <p:sldId id="291" r:id="rId11"/>
-    <p:sldId id="294" r:id="rId12"/>
-    <p:sldId id="292" r:id="rId13"/>
-    <p:sldId id="293" r:id="rId14"/>
-    <p:sldId id="283" r:id="rId15"/>
+    <p:sldId id="319" r:id="rId10"/>
+    <p:sldId id="317" r:id="rId11"/>
+    <p:sldId id="318" r:id="rId12"/>
+    <p:sldId id="291" r:id="rId13"/>
+    <p:sldId id="294" r:id="rId14"/>
+    <p:sldId id="292" r:id="rId15"/>
+    <p:sldId id="316" r:id="rId16"/>
+    <p:sldId id="283" r:id="rId17"/>
   </p:sldIdLst>
   <p:sldSz cx="12192000" cy="6858000"/>
   <p:notesSz cx="6858000" cy="9144000"/>
@@ -128,16 +130,18 @@
             <p14:sldId id="297"/>
             <p14:sldId id="289"/>
             <p14:sldId id="258"/>
+            <p14:sldId id="314"/>
           </p14:sldIdLst>
         </p14:section>
         <p14:section name="Content" id="{2C67B003-B916-43D3-BE5B-B3D36B8F4E1C}">
           <p14:sldIdLst>
-            <p14:sldId id="296"/>
             <p14:sldId id="304"/>
             <p14:sldId id="298"/>
             <p14:sldId id="311"/>
             <p14:sldId id="312"/>
-            <p14:sldId id="313"/>
+            <p14:sldId id="319"/>
+            <p14:sldId id="317"/>
+            <p14:sldId id="318"/>
             <p14:sldId id="291"/>
             <p14:sldId id="294"/>
           </p14:sldIdLst>
@@ -145,7 +149,7 @@
         <p14:section name="Wrap-Up" id="{250B09FA-E151-4F0D-B4D4-21A2DA6D2F7E}">
           <p14:sldIdLst>
             <p14:sldId id="292"/>
-            <p14:sldId id="293"/>
+            <p14:sldId id="316"/>
             <p14:sldId id="283"/>
           </p14:sldIdLst>
         </p14:section>
@@ -1139,6 +1143,13 @@
         </dgm:presLayoutVars>
       </dgm:prSet>
       <dgm:spPr/>
+      <dgm:t>
+        <a:bodyPr/>
+        <a:lstStyle/>
+        <a:p>
+          <a:endParaRPr lang="en-US"/>
+        </a:p>
+      </dgm:t>
     </dgm:pt>
     <dgm:pt modelId="{16586C39-8252-4842-A547-522BF4DC5497}" type="pres">
       <dgm:prSet presAssocID="{95DA3CB2-9E8B-489C-9384-276D499DE57B}" presName="spacerL" presStyleCnt="0"/>
@@ -1147,6 +1158,13 @@
     <dgm:pt modelId="{C3F2A8DC-3404-4FBF-9A6E-B21E654EDEC1}" type="pres">
       <dgm:prSet presAssocID="{95DA3CB2-9E8B-489C-9384-276D499DE57B}" presName="sibTrans" presStyleLbl="sibTrans2D1" presStyleIdx="0" presStyleCnt="3"/>
       <dgm:spPr/>
+      <dgm:t>
+        <a:bodyPr/>
+        <a:lstStyle/>
+        <a:p>
+          <a:endParaRPr lang="en-US"/>
+        </a:p>
+      </dgm:t>
     </dgm:pt>
     <dgm:pt modelId="{001EB847-58A0-4363-AEF3-9CA4F7F407ED}" type="pres">
       <dgm:prSet presAssocID="{95DA3CB2-9E8B-489C-9384-276D499DE57B}" presName="spacerR" presStyleCnt="0"/>
@@ -1159,6 +1177,13 @@
         </dgm:presLayoutVars>
       </dgm:prSet>
       <dgm:spPr/>
+      <dgm:t>
+        <a:bodyPr/>
+        <a:lstStyle/>
+        <a:p>
+          <a:endParaRPr lang="en-US"/>
+        </a:p>
+      </dgm:t>
     </dgm:pt>
     <dgm:pt modelId="{49DAAACA-BF2E-42F9-BE46-F34611CECD0A}" type="pres">
       <dgm:prSet presAssocID="{F79C0E80-538E-4127-8496-B5CEA5AA02B7}" presName="spacerL" presStyleCnt="0"/>
@@ -1167,6 +1192,13 @@
     <dgm:pt modelId="{1B1237B1-45D3-448B-A9E5-BD21D5141845}" type="pres">
       <dgm:prSet presAssocID="{F79C0E80-538E-4127-8496-B5CEA5AA02B7}" presName="sibTrans" presStyleLbl="sibTrans2D1" presStyleIdx="1" presStyleCnt="3"/>
       <dgm:spPr/>
+      <dgm:t>
+        <a:bodyPr/>
+        <a:lstStyle/>
+        <a:p>
+          <a:endParaRPr lang="en-US"/>
+        </a:p>
+      </dgm:t>
     </dgm:pt>
     <dgm:pt modelId="{FA4B6EB2-AE2F-4732-95D2-06963C072469}" type="pres">
       <dgm:prSet presAssocID="{F79C0E80-538E-4127-8496-B5CEA5AA02B7}" presName="spacerR" presStyleCnt="0"/>
@@ -1179,6 +1211,13 @@
         </dgm:presLayoutVars>
       </dgm:prSet>
       <dgm:spPr/>
+      <dgm:t>
+        <a:bodyPr/>
+        <a:lstStyle/>
+        <a:p>
+          <a:endParaRPr lang="en-US"/>
+        </a:p>
+      </dgm:t>
     </dgm:pt>
     <dgm:pt modelId="{CD36DEC5-41A9-4DB0-A867-7193A32807C5}" type="pres">
       <dgm:prSet presAssocID="{350D7DAB-1E0C-4F2D-9064-F11194685BCA}" presName="spacerL" presStyleCnt="0"/>
@@ -1187,6 +1226,13 @@
     <dgm:pt modelId="{94AA4439-8016-4B2E-84FC-DF803CF27622}" type="pres">
       <dgm:prSet presAssocID="{350D7DAB-1E0C-4F2D-9064-F11194685BCA}" presName="sibTrans" presStyleLbl="sibTrans2D1" presStyleIdx="2" presStyleCnt="3"/>
       <dgm:spPr/>
+      <dgm:t>
+        <a:bodyPr/>
+        <a:lstStyle/>
+        <a:p>
+          <a:endParaRPr lang="en-US"/>
+        </a:p>
+      </dgm:t>
     </dgm:pt>
     <dgm:pt modelId="{03995A11-8536-4A10-9EB0-9DEBFC5D5570}" type="pres">
       <dgm:prSet presAssocID="{350D7DAB-1E0C-4F2D-9064-F11194685BCA}" presName="spacerR" presStyleCnt="0"/>
@@ -1199,21 +1245,28 @@
         </dgm:presLayoutVars>
       </dgm:prSet>
       <dgm:spPr/>
+      <dgm:t>
+        <a:bodyPr/>
+        <a:lstStyle/>
+        <a:p>
+          <a:endParaRPr lang="en-US"/>
+        </a:p>
+      </dgm:t>
     </dgm:pt>
   </dgm:ptLst>
   <dgm:cxnLst>
+    <dgm:cxn modelId="{AFC14E43-48BE-4638-B2EC-04B8DF23696B}" type="presOf" srcId="{F79C0E80-538E-4127-8496-B5CEA5AA02B7}" destId="{1B1237B1-45D3-448B-A9E5-BD21D5141845}" srcOrd="0" destOrd="0" presId="urn:microsoft.com/office/officeart/2005/8/layout/equation1"/>
     <dgm:cxn modelId="{DF87A123-7BBB-4AAC-92E5-D72808D3E923}" srcId="{3080ADB3-81FF-4B78-978B-7E06D9877373}" destId="{E77BC9D5-0CB7-4EB6-9E7B-4ED00C42C0B7}" srcOrd="3" destOrd="0" parTransId="{9F5B59E2-4882-43FB-B7D7-61DB27612E4C}" sibTransId="{A3EFAF2F-8DF9-4A19-937D-97E1F6440E23}"/>
     <dgm:cxn modelId="{C448BD2C-B095-4704-9638-585803B9D561}" type="presOf" srcId="{95DA3CB2-9E8B-489C-9384-276D499DE57B}" destId="{C3F2A8DC-3404-4FBF-9A6E-B21E654EDEC1}" srcOrd="0" destOrd="0" presId="urn:microsoft.com/office/officeart/2005/8/layout/equation1"/>
-    <dgm:cxn modelId="{6FF35F3E-149E-44B3-A919-5EBB19337D04}" srcId="{3080ADB3-81FF-4B78-978B-7E06D9877373}" destId="{051765E3-9773-4A7E-AD0D-2A6B0F9060F0}" srcOrd="1" destOrd="0" parTransId="{C12278C1-AD90-4E53-9B42-7E118721E202}" sibTransId="{F79C0E80-538E-4127-8496-B5CEA5AA02B7}"/>
-    <dgm:cxn modelId="{343EF962-3E9C-4A92-B06E-104B93E51B7E}" type="presOf" srcId="{051765E3-9773-4A7E-AD0D-2A6B0F9060F0}" destId="{B908E7D6-069C-4754-B389-1416588C4327}" srcOrd="0" destOrd="0" presId="urn:microsoft.com/office/officeart/2005/8/layout/equation1"/>
-    <dgm:cxn modelId="{AFC14E43-48BE-4638-B2EC-04B8DF23696B}" type="presOf" srcId="{F79C0E80-538E-4127-8496-B5CEA5AA02B7}" destId="{1B1237B1-45D3-448B-A9E5-BD21D5141845}" srcOrd="0" destOrd="0" presId="urn:microsoft.com/office/officeart/2005/8/layout/equation1"/>
+    <dgm:cxn modelId="{CA7FBC55-1268-4D2E-B305-6AB85996CD4E}" type="presOf" srcId="{E77BC9D5-0CB7-4EB6-9E7B-4ED00C42C0B7}" destId="{5E421D75-C555-4F66-BCB1-45361B00C254}" srcOrd="0" destOrd="0" presId="urn:microsoft.com/office/officeart/2005/8/layout/equation1"/>
+    <dgm:cxn modelId="{92274185-C8EB-485F-8441-AE8D77C4BE56}" type="presOf" srcId="{350D7DAB-1E0C-4F2D-9064-F11194685BCA}" destId="{94AA4439-8016-4B2E-84FC-DF803CF27622}" srcOrd="0" destOrd="0" presId="urn:microsoft.com/office/officeart/2005/8/layout/equation1"/>
+    <dgm:cxn modelId="{00CA37E6-6EA2-4429-A992-1ED955C9A2EE}" srcId="{3080ADB3-81FF-4B78-978B-7E06D9877373}" destId="{662F5F51-65B0-48D4-ACD9-02DA505BB41A}" srcOrd="2" destOrd="0" parTransId="{55C36D01-B061-42E5-A815-AAEF7EB9F5E9}" sibTransId="{350D7DAB-1E0C-4F2D-9064-F11194685BCA}"/>
     <dgm:cxn modelId="{EE643B65-7957-4A8A-BB1F-32DB595CB019}" type="presOf" srcId="{662F5F51-65B0-48D4-ACD9-02DA505BB41A}" destId="{66600277-4561-43C3-BAEE-6179D710B075}" srcOrd="0" destOrd="0" presId="urn:microsoft.com/office/officeart/2005/8/layout/equation1"/>
     <dgm:cxn modelId="{88AF5570-0741-43EA-9B98-8A4FFA94977A}" type="presOf" srcId="{3080ADB3-81FF-4B78-978B-7E06D9877373}" destId="{E6AC2D97-98F4-4940-B239-18411906BCD2}" srcOrd="0" destOrd="0" presId="urn:microsoft.com/office/officeart/2005/8/layout/equation1"/>
-    <dgm:cxn modelId="{CA7FBC55-1268-4D2E-B305-6AB85996CD4E}" type="presOf" srcId="{E77BC9D5-0CB7-4EB6-9E7B-4ED00C42C0B7}" destId="{5E421D75-C555-4F66-BCB1-45361B00C254}" srcOrd="0" destOrd="0" presId="urn:microsoft.com/office/officeart/2005/8/layout/equation1"/>
-    <dgm:cxn modelId="{92274185-C8EB-485F-8441-AE8D77C4BE56}" type="presOf" srcId="{350D7DAB-1E0C-4F2D-9064-F11194685BCA}" destId="{94AA4439-8016-4B2E-84FC-DF803CF27622}" srcOrd="0" destOrd="0" presId="urn:microsoft.com/office/officeart/2005/8/layout/equation1"/>
     <dgm:cxn modelId="{DA811489-6E56-47AB-9BEE-1791E271A4A5}" type="presOf" srcId="{84E2A706-A755-4C98-B7CB-D95C7C524B18}" destId="{AE644631-F5B1-4DEF-AD74-ABFCCC99BB7B}" srcOrd="0" destOrd="0" presId="urn:microsoft.com/office/officeart/2005/8/layout/equation1"/>
-    <dgm:cxn modelId="{00CA37E6-6EA2-4429-A992-1ED955C9A2EE}" srcId="{3080ADB3-81FF-4B78-978B-7E06D9877373}" destId="{662F5F51-65B0-48D4-ACD9-02DA505BB41A}" srcOrd="2" destOrd="0" parTransId="{55C36D01-B061-42E5-A815-AAEF7EB9F5E9}" sibTransId="{350D7DAB-1E0C-4F2D-9064-F11194685BCA}"/>
+    <dgm:cxn modelId="{343EF962-3E9C-4A92-B06E-104B93E51B7E}" type="presOf" srcId="{051765E3-9773-4A7E-AD0D-2A6B0F9060F0}" destId="{B908E7D6-069C-4754-B389-1416588C4327}" srcOrd="0" destOrd="0" presId="urn:microsoft.com/office/officeart/2005/8/layout/equation1"/>
     <dgm:cxn modelId="{94C59DE9-73AA-4B17-920C-9724EFC631F0}" srcId="{3080ADB3-81FF-4B78-978B-7E06D9877373}" destId="{84E2A706-A755-4C98-B7CB-D95C7C524B18}" srcOrd="0" destOrd="0" parTransId="{4B4927C2-917B-4A4B-8D4A-F2A8361C1988}" sibTransId="{95DA3CB2-9E8B-489C-9384-276D499DE57B}"/>
+    <dgm:cxn modelId="{6FF35F3E-149E-44B3-A919-5EBB19337D04}" srcId="{3080ADB3-81FF-4B78-978B-7E06D9877373}" destId="{051765E3-9773-4A7E-AD0D-2A6B0F9060F0}" srcOrd="1" destOrd="0" parTransId="{C12278C1-AD90-4E53-9B42-7E118721E202}" sibTransId="{F79C0E80-538E-4127-8496-B5CEA5AA02B7}"/>
     <dgm:cxn modelId="{22867A77-9051-4D8C-8C58-A650EFB22118}" type="presParOf" srcId="{E6AC2D97-98F4-4940-B239-18411906BCD2}" destId="{AE644631-F5B1-4DEF-AD74-ABFCCC99BB7B}" srcOrd="0" destOrd="0" presId="urn:microsoft.com/office/officeart/2005/8/layout/equation1"/>
     <dgm:cxn modelId="{0046AD40-0511-4A5B-8126-4F502E92CBAA}" type="presParOf" srcId="{E6AC2D97-98F4-4940-B239-18411906BCD2}" destId="{16586C39-8252-4842-A547-522BF4DC5497}" srcOrd="1" destOrd="0" presId="urn:microsoft.com/office/officeart/2005/8/layout/equation1"/>
     <dgm:cxn modelId="{E1A9452E-8FE7-4DBB-A06D-65FEC0C95780}" type="presParOf" srcId="{E6AC2D97-98F4-4940-B239-18411906BCD2}" destId="{C3F2A8DC-3404-4FBF-9A6E-B21E654EDEC1}" srcOrd="2" destOrd="0" presId="urn:microsoft.com/office/officeart/2005/8/layout/equation1"/>
@@ -1302,7 +1355,7 @@
         </a:bodyPr>
         <a:lstStyle/>
         <a:p>
-          <a:pPr marL="0" lvl="0" indent="0" algn="ctr" defTabSz="800100">
+          <a:pPr lvl="0" algn="ctr" defTabSz="800100">
             <a:lnSpc>
               <a:spcPct val="90000"/>
             </a:lnSpc>
@@ -1312,7 +1365,6 @@
             <a:spcAft>
               <a:spcPct val="35000"/>
             </a:spcAft>
-            <a:buNone/>
           </a:pPr>
           <a:r>
             <a:rPr lang="en-US" sz="1800" kern="1200" dirty="0"/>
@@ -1372,7 +1424,7 @@
         </a:bodyPr>
         <a:lstStyle/>
         <a:p>
-          <a:pPr marL="0" lvl="0" indent="0" algn="ctr" defTabSz="533400">
+          <a:pPr lvl="0" algn="ctr" defTabSz="533400">
             <a:lnSpc>
               <a:spcPct val="90000"/>
             </a:lnSpc>
@@ -1382,7 +1434,6 @@
             <a:spcAft>
               <a:spcPct val="35000"/>
             </a:spcAft>
-            <a:buNone/>
           </a:pPr>
           <a:endParaRPr lang="en-US" sz="1200" kern="1200"/>
         </a:p>
@@ -1448,7 +1499,7 @@
         </a:bodyPr>
         <a:lstStyle/>
         <a:p>
-          <a:pPr marL="0" lvl="0" indent="0" algn="ctr" defTabSz="800100">
+          <a:pPr lvl="0" algn="ctr" defTabSz="800100">
             <a:lnSpc>
               <a:spcPct val="90000"/>
             </a:lnSpc>
@@ -1458,7 +1509,6 @@
             <a:spcAft>
               <a:spcPct val="35000"/>
             </a:spcAft>
-            <a:buNone/>
           </a:pPr>
           <a:r>
             <a:rPr lang="en-US" sz="1800" kern="1200" dirty="0"/>
@@ -1518,7 +1568,7 @@
         </a:bodyPr>
         <a:lstStyle/>
         <a:p>
-          <a:pPr marL="0" lvl="0" indent="0" algn="ctr" defTabSz="533400">
+          <a:pPr lvl="0" algn="ctr" defTabSz="533400">
             <a:lnSpc>
               <a:spcPct val="90000"/>
             </a:lnSpc>
@@ -1528,7 +1578,6 @@
             <a:spcAft>
               <a:spcPct val="35000"/>
             </a:spcAft>
-            <a:buNone/>
           </a:pPr>
           <a:endParaRPr lang="en-US" sz="1200" kern="1200"/>
         </a:p>
@@ -1594,7 +1643,7 @@
         </a:bodyPr>
         <a:lstStyle/>
         <a:p>
-          <a:pPr marL="0" lvl="0" indent="0" algn="ctr" defTabSz="800100">
+          <a:pPr lvl="0" algn="ctr" defTabSz="800100">
             <a:lnSpc>
               <a:spcPct val="90000"/>
             </a:lnSpc>
@@ -1604,7 +1653,6 @@
             <a:spcAft>
               <a:spcPct val="35000"/>
             </a:spcAft>
-            <a:buNone/>
           </a:pPr>
           <a:r>
             <a:rPr lang="en-US" sz="1800" kern="1200" dirty="0"/>
@@ -1671,7 +1719,7 @@
         </a:bodyPr>
         <a:lstStyle/>
         <a:p>
-          <a:pPr marL="0" lvl="0" indent="0" algn="ctr" defTabSz="1111250">
+          <a:pPr lvl="0" algn="ctr" defTabSz="1111250">
             <a:lnSpc>
               <a:spcPct val="90000"/>
             </a:lnSpc>
@@ -1681,7 +1729,6 @@
             <a:spcAft>
               <a:spcPct val="35000"/>
             </a:spcAft>
-            <a:buNone/>
           </a:pPr>
           <a:endParaRPr lang="en-US" sz="2500" kern="1200"/>
         </a:p>
@@ -1747,7 +1794,7 @@
         </a:bodyPr>
         <a:lstStyle/>
         <a:p>
-          <a:pPr marL="0" lvl="0" indent="0" algn="ctr" defTabSz="800100">
+          <a:pPr lvl="0" algn="ctr" defTabSz="800100">
             <a:lnSpc>
               <a:spcPct val="90000"/>
             </a:lnSpc>
@@ -1757,7 +1804,6 @@
             <a:spcAft>
               <a:spcPct val="35000"/>
             </a:spcAft>
-            <a:buNone/>
           </a:pPr>
           <a:r>
             <a:rPr lang="en-US" sz="1800" kern="1200" dirty="0"/>
@@ -3045,7 +3091,7 @@
           <a:p>
             <a:fld id="{7BCB8214-0E7E-4EFC-9E1C-25F6159D4170}" type="datetimeFigureOut">
               <a:rPr lang="en-US" smtClean="0"/>
-              <a:t>8/11/2018</a:t>
+              <a:t>8/28/2018</a:t>
             </a:fld>
             <a:endParaRPr lang="en-US"/>
           </a:p>
@@ -3396,6 +3442,113 @@
 </p:notes>
 </file>
 
+<file path=ppt/notesSlides/notesSlide10.xml><?xml version="1.0" encoding="utf-8"?>
+<p:notes xmlns:a="http://schemas.openxmlformats.org/drawingml/2006/main" xmlns:r="http://schemas.openxmlformats.org/officeDocument/2006/relationships" xmlns:p="http://schemas.openxmlformats.org/presentationml/2006/main">
+  <p:cSld>
+    <p:spTree>
+      <p:nvGrpSpPr>
+        <p:cNvPr id="1" name=""/>
+        <p:cNvGrpSpPr/>
+        <p:nvPr/>
+      </p:nvGrpSpPr>
+      <p:grpSpPr>
+        <a:xfrm>
+          <a:off x="0" y="0"/>
+          <a:ext cx="0" cy="0"/>
+          <a:chOff x="0" y="0"/>
+          <a:chExt cx="0" cy="0"/>
+        </a:xfrm>
+      </p:grpSpPr>
+      <p:sp>
+        <p:nvSpPr>
+          <p:cNvPr id="2" name="Slide Image Placeholder 1"/>
+          <p:cNvSpPr>
+            <a:spLocks noGrp="1" noRot="1" noChangeAspect="1"/>
+          </p:cNvSpPr>
+          <p:nvPr>
+            <p:ph type="sldImg"/>
+          </p:nvPr>
+        </p:nvSpPr>
+        <p:spPr/>
+      </p:sp>
+      <p:sp>
+        <p:nvSpPr>
+          <p:cNvPr id="3" name="Notes Placeholder 2"/>
+          <p:cNvSpPr>
+            <a:spLocks noGrp="1"/>
+          </p:cNvSpPr>
+          <p:nvPr>
+            <p:ph type="body" idx="1"/>
+          </p:nvPr>
+        </p:nvSpPr>
+        <p:spPr/>
+        <p:txBody>
+          <a:bodyPr/>
+          <a:lstStyle/>
+          <a:p>
+            <a:pPr marL="0" marR="0" lvl="0" indent="0" algn="l" defTabSz="914400" rtl="0" eaLnBrk="1" fontAlgn="auto" latinLnBrk="0" hangingPunct="1">
+              <a:lnSpc>
+                <a:spcPct val="100000"/>
+              </a:lnSpc>
+              <a:spcBef>
+                <a:spcPts val="0"/>
+              </a:spcBef>
+              <a:spcAft>
+                <a:spcPts val="0"/>
+              </a:spcAft>
+              <a:buClrTx/>
+              <a:buSzTx/>
+              <a:buFontTx/>
+              <a:buNone/>
+              <a:tabLst/>
+              <a:defRPr/>
+            </a:pPr>
+            <a:r>
+              <a:rPr lang="en-US" dirty="0"/>
+              <a:t>ALWAYS CONSULT THE SYLLABUS</a:t>
+            </a:r>
+          </a:p>
+          <a:p>
+            <a:endParaRPr lang="en-US" dirty="0"/>
+          </a:p>
+        </p:txBody>
+      </p:sp>
+      <p:sp>
+        <p:nvSpPr>
+          <p:cNvPr id="4" name="Slide Number Placeholder 3"/>
+          <p:cNvSpPr>
+            <a:spLocks noGrp="1"/>
+          </p:cNvSpPr>
+          <p:nvPr>
+            <p:ph type="sldNum" sz="quarter" idx="10"/>
+          </p:nvPr>
+        </p:nvSpPr>
+        <p:spPr/>
+        <p:txBody>
+          <a:bodyPr/>
+          <a:lstStyle/>
+          <a:p>
+            <a:fld id="{0112F830-31CF-4898-9DC8-86941997CB87}" type="slidenum">
+              <a:rPr lang="en-US" smtClean="0"/>
+              <a:t>14</a:t>
+            </a:fld>
+            <a:endParaRPr lang="en-US"/>
+          </a:p>
+        </p:txBody>
+      </p:sp>
+    </p:spTree>
+    <p:extLst>
+      <p:ext uri="{BB962C8B-B14F-4D97-AF65-F5344CB8AC3E}">
+        <p14:creationId xmlns:p14="http://schemas.microsoft.com/office/powerpoint/2010/main" val="2577053777"/>
+      </p:ext>
+    </p:extLst>
+  </p:cSld>
+  <p:clrMapOvr>
+    <a:masterClrMapping/>
+  </p:clrMapOvr>
+</p:notes>
+</file>
+
 <file path=ppt/notesSlides/notesSlide2.xml><?xml version="1.0" encoding="utf-8"?>
 <p:notes xmlns:a="http://schemas.openxmlformats.org/drawingml/2006/main" xmlns:r="http://schemas.openxmlformats.org/officeDocument/2006/relationships" xmlns:p="http://schemas.openxmlformats.org/presentationml/2006/main">
   <p:cSld>
@@ -3590,107 +3743,35 @@
           <a:bodyPr/>
           <a:lstStyle/>
           <a:p>
-            <a:r>
-              <a:rPr lang="en-US" dirty="0"/>
-              <a:t>Before we define </a:t>
-            </a:r>
-            <a:r>
-              <a:rPr lang="en-US" dirty="0" err="1"/>
-              <a:t>devops</a:t>
-            </a:r>
-            <a:r>
-              <a:rPr lang="en-US" dirty="0"/>
-              <a:t>, let’s cover a few more things.  Every system</a:t>
-            </a:r>
-            <a:r>
-              <a:rPr lang="en-US" baseline="0" dirty="0"/>
-              <a:t> regardless of whether it includes data science or not </a:t>
-            </a:r>
-            <a:r>
-              <a:rPr lang="en-US" dirty="0"/>
-              <a:t>consists</a:t>
-            </a:r>
-            <a:r>
-              <a:rPr lang="en-US" baseline="0" dirty="0"/>
-              <a:t> of there components </a:t>
-            </a:r>
-            <a:r>
-              <a:rPr lang="en-US" dirty="0"/>
-              <a:t>Code, Data and Infrastructure. </a:t>
-            </a:r>
-          </a:p>
-          <a:p>
-            <a:endParaRPr lang="en-US" dirty="0"/>
-          </a:p>
-          <a:p>
-            <a:r>
-              <a:rPr lang="en-US" dirty="0"/>
-              <a:t>[READ</a:t>
-            </a:r>
-            <a:r>
-              <a:rPr lang="en-US" baseline="0" dirty="0"/>
-              <a:t> BULLETS]</a:t>
-            </a:r>
-            <a:endParaRPr lang="en-US" dirty="0"/>
-          </a:p>
-          <a:p>
-            <a:endParaRPr lang="en-US" dirty="0"/>
-          </a:p>
-          <a:p>
-            <a:r>
-              <a:rPr lang="en-US" dirty="0"/>
-              <a:t>Consider our hotdog app.  </a:t>
-            </a:r>
-          </a:p>
-          <a:p>
-            <a:endParaRPr lang="en-US" dirty="0"/>
-          </a:p>
-          <a:p>
-            <a:pPr marL="171450" indent="-171450">
+            <a:pPr marL="0" marR="0" lvl="0" indent="0" algn="l" defTabSz="914400" rtl="0" eaLnBrk="1" fontAlgn="auto" latinLnBrk="0" hangingPunct="1">
+              <a:lnSpc>
+                <a:spcPct val="100000"/>
+              </a:lnSpc>
+              <a:spcBef>
+                <a:spcPts val="0"/>
+              </a:spcBef>
+              <a:spcAft>
+                <a:spcPts val="0"/>
+              </a:spcAft>
+              <a:buClrTx/>
+              <a:buSzTx/>
               <a:buFontTx/>
-              <a:buChar char="-"/>
+              <a:buNone/>
+              <a:tabLst/>
+              <a:defRPr/>
             </a:pPr>
             <a:r>
-              <a:rPr lang="en-US" dirty="0"/>
-              <a:t>The code is our algorithm to determine whether it’s a hot dog, as well as the mobile app and web </a:t>
-            </a:r>
-            <a:r>
-              <a:rPr lang="en-US" dirty="0" err="1"/>
-              <a:t>api</a:t>
-            </a:r>
-            <a:r>
-              <a:rPr lang="en-US" dirty="0"/>
-              <a:t>. </a:t>
-            </a:r>
-          </a:p>
-          <a:p>
-            <a:pPr marL="171450" indent="-171450">
-              <a:buFontTx/>
-              <a:buChar char="-"/>
-            </a:pPr>
-            <a:r>
-              <a:rPr lang="en-US" dirty="0"/>
-              <a:t>The data are the photos we use to train the hot dog detection model and the feedback our users give us when the model is right or wrong. </a:t>
-            </a:r>
-          </a:p>
-          <a:p>
-            <a:pPr marL="171450" indent="-171450">
-              <a:buFontTx/>
-              <a:buChar char="-"/>
-            </a:pPr>
-            <a:r>
-              <a:rPr lang="en-US" dirty="0"/>
-              <a:t>The infrastructure are the servers needed to run the back end of the web app, store the images, feedback from the users, including the function which predicts if the photo is a hot dog.</a:t>
-            </a:r>
-          </a:p>
-          <a:p>
-            <a:endParaRPr lang="en-US" dirty="0"/>
-          </a:p>
-          <a:p>
-            <a:r>
-              <a:rPr lang="en-US" dirty="0"/>
-              <a:t>Managing the code and data are relatively trivial, but the infrastructure can be a challenge, as we’ll see next. </a:t>
-            </a:r>
+              <a:rPr lang="en-US" dirty="0" smtClean="0"/>
+              <a:t>Go over the lab questions. With the students. Ask</a:t>
+            </a:r>
+            <a:r>
+              <a:rPr lang="en-US" baseline="0" dirty="0" smtClean="0"/>
+              <a:t> them to take out their answers to the lab questions. And their questions about the lab itself.</a:t>
+            </a:r>
+            <a:endParaRPr lang="en-US" dirty="0" smtClean="0"/>
+          </a:p>
+          <a:p>
+            <a:endParaRPr lang="en-US" dirty="0" smtClean="0"/>
           </a:p>
         </p:txBody>
       </p:sp>
@@ -3709,9 +3790,9 @@
           <a:bodyPr/>
           <a:lstStyle/>
           <a:p>
-            <a:fld id="{3E2FC9AB-7B39-4BAC-9708-E80D5B372A62}" type="slidenum">
+            <a:fld id="{0112F830-31CF-4898-9DC8-86941997CB87}" type="slidenum">
               <a:rPr lang="en-US" smtClean="0"/>
-              <a:t>5</a:t>
+              <a:t>4</a:t>
             </a:fld>
             <a:endParaRPr lang="en-US"/>
           </a:p>
@@ -3720,7 +3801,7 @@
     </p:spTree>
     <p:extLst>
       <p:ext uri="{BB962C8B-B14F-4D97-AF65-F5344CB8AC3E}">
-        <p14:creationId xmlns:p14="http://schemas.microsoft.com/office/powerpoint/2010/main" val="2198597369"/>
+        <p14:creationId xmlns:p14="http://schemas.microsoft.com/office/powerpoint/2010/main" val="1398453792"/>
       </p:ext>
     </p:extLst>
   </p:cSld>
@@ -3775,12 +3856,32 @@
           <a:lstStyle/>
           <a:p>
             <a:r>
+              <a:rPr lang="en-US" dirty="0"/>
+              <a:t>Before we define </a:t>
+            </a:r>
+            <a:r>
+              <a:rPr lang="en-US" dirty="0" err="1"/>
+              <a:t>devops</a:t>
+            </a:r>
+            <a:r>
+              <a:rPr lang="en-US" dirty="0"/>
+              <a:t>, let’s cover a few more things.  Every system</a:t>
+            </a:r>
+            <a:r>
               <a:rPr lang="en-US" baseline="0" dirty="0"/>
-              <a:t>In the Infrastructure as Code methodology we our systems </a:t>
+              <a:t> regardless of whether it includes data science or not </a:t>
             </a:r>
             <a:r>
               <a:rPr lang="en-US" dirty="0"/>
-              <a:t>infrastructure as if it were code! </a:t>
+              <a:t>consists</a:t>
+            </a:r>
+            <a:r>
+              <a:rPr lang="en-US" baseline="0" dirty="0"/>
+              <a:t> of there components </a:t>
+            </a:r>
+            <a:r>
+              <a:rPr lang="en-US" dirty="0"/>
+              <a:t>Code, Data and Infrastructure. </a:t>
             </a:r>
           </a:p>
           <a:p>
@@ -3789,39 +3890,72 @@
           <a:p>
             <a:r>
               <a:rPr lang="en-US" dirty="0"/>
-              <a:t>We Store configurations, dependencies and scripts to bootstrap your systems in a source code management (SCM) system like Git.</a:t>
-            </a:r>
-          </a:p>
-          <a:p>
+              <a:t>[READ</a:t>
+            </a:r>
+            <a:r>
+              <a:rPr lang="en-US" baseline="0" dirty="0"/>
+              <a:t> BULLETS]</a:t>
+            </a:r>
             <a:endParaRPr lang="en-US" dirty="0"/>
           </a:p>
           <a:p>
+            <a:endParaRPr lang="en-US" dirty="0"/>
+          </a:p>
+          <a:p>
             <a:r>
               <a:rPr lang="en-US" dirty="0"/>
-              <a:t>This allows you set-up and tear down environments and dependencies quickly and easily and deploy your systems in Dev, Test or Production.</a:t>
+              <a:t>Consider our hotdog app.  </a:t>
             </a:r>
           </a:p>
           <a:p>
             <a:endParaRPr lang="en-US" dirty="0"/>
           </a:p>
           <a:p>
+            <a:pPr marL="171450" indent="-171450">
+              <a:buFontTx/>
+              <a:buChar char="-"/>
+            </a:pPr>
             <a:r>
               <a:rPr lang="en-US" dirty="0"/>
-              <a:t>In the grand scheme of things the servers (hardware and networks)</a:t>
-            </a:r>
-            <a:r>
-              <a:rPr lang="en-US" baseline="0" dirty="0"/>
-              <a:t> </a:t>
+              <a:t>The code is our algorithm to determine whether it’s a hot dog, as well as the mobile app and web </a:t>
+            </a:r>
+            <a:r>
+              <a:rPr lang="en-US" dirty="0" err="1"/>
+              <a:t>api</a:t>
             </a:r>
             <a:r>
               <a:rPr lang="en-US" dirty="0"/>
-              <a:t>are simply</a:t>
-            </a:r>
-            <a:r>
-              <a:rPr lang="en-US" baseline="0" dirty="0"/>
-              <a:t> a commodity or utility and have no strategic value at all.</a:t>
-            </a:r>
+              <a:t>. </a:t>
+            </a:r>
+          </a:p>
+          <a:p>
+            <a:pPr marL="171450" indent="-171450">
+              <a:buFontTx/>
+              <a:buChar char="-"/>
+            </a:pPr>
+            <a:r>
+              <a:rPr lang="en-US" dirty="0"/>
+              <a:t>The data are the photos we use to train the hot dog detection model and the feedback our users give us when the model is right or wrong. </a:t>
+            </a:r>
+          </a:p>
+          <a:p>
+            <a:pPr marL="171450" indent="-171450">
+              <a:buFontTx/>
+              <a:buChar char="-"/>
+            </a:pPr>
+            <a:r>
+              <a:rPr lang="en-US" dirty="0"/>
+              <a:t>The infrastructure are the servers needed to run the back end of the web app, store the images, feedback from the users, including the function which predicts if the photo is a hot dog.</a:t>
+            </a:r>
+          </a:p>
+          <a:p>
             <a:endParaRPr lang="en-US" dirty="0"/>
+          </a:p>
+          <a:p>
+            <a:r>
+              <a:rPr lang="en-US" dirty="0"/>
+              <a:t>Managing the code and data are relatively trivial, but the infrastructure can be a challenge, as we’ll see next. </a:t>
+            </a:r>
           </a:p>
         </p:txBody>
       </p:sp>
@@ -3842,7 +3976,7 @@
           <a:p>
             <a:fld id="{3E2FC9AB-7B39-4BAC-9708-E80D5B372A62}" type="slidenum">
               <a:rPr lang="en-US" smtClean="0"/>
-              <a:t>6</a:t>
+              <a:t>5</a:t>
             </a:fld>
             <a:endParaRPr lang="en-US"/>
           </a:p>
@@ -3851,7 +3985,7 @@
     </p:spTree>
     <p:extLst>
       <p:ext uri="{BB962C8B-B14F-4D97-AF65-F5344CB8AC3E}">
-        <p14:creationId xmlns:p14="http://schemas.microsoft.com/office/powerpoint/2010/main" val="4227259752"/>
+        <p14:creationId xmlns:p14="http://schemas.microsoft.com/office/powerpoint/2010/main" val="2198597369"/>
       </p:ext>
     </p:extLst>
   </p:cSld>
@@ -3906,20 +4040,51 @@
           <a:lstStyle/>
           <a:p>
             <a:r>
+              <a:rPr lang="en-US" baseline="0" dirty="0"/>
+              <a:t>In the Infrastructure as Code methodology we our systems </a:t>
+            </a:r>
+            <a:r>
               <a:rPr lang="en-US" dirty="0"/>
-              <a:t>A big mantra</a:t>
+              <a:t>infrastructure as if it were code! </a:t>
+            </a:r>
+          </a:p>
+          <a:p>
+            <a:endParaRPr lang="en-US" dirty="0"/>
+          </a:p>
+          <a:p>
+            <a:r>
+              <a:rPr lang="en-US" dirty="0"/>
+              <a:t>We Store configurations, dependencies and scripts to bootstrap your systems in a source code management (SCM) system like Git.</a:t>
+            </a:r>
+          </a:p>
+          <a:p>
+            <a:endParaRPr lang="en-US" dirty="0"/>
+          </a:p>
+          <a:p>
+            <a:r>
+              <a:rPr lang="en-US" dirty="0"/>
+              <a:t>This allows you set-up and tear down environments and dependencies quickly and easily and deploy your systems in Dev, Test or Production.</a:t>
+            </a:r>
+          </a:p>
+          <a:p>
+            <a:endParaRPr lang="en-US" dirty="0"/>
+          </a:p>
+          <a:p>
+            <a:r>
+              <a:rPr lang="en-US" dirty="0"/>
+              <a:t>In the grand scheme of things the servers (hardware and networks)</a:t>
             </a:r>
             <a:r>
               <a:rPr lang="en-US" baseline="0" dirty="0"/>
-              <a:t> of DevOps is “Treat Servers like Cattle, Not Pets”   </a:t>
+              <a:t> </a:t>
             </a:r>
             <a:r>
               <a:rPr lang="en-US" dirty="0"/>
-              <a:t>It’s important to recognize we’re talking about</a:t>
+              <a:t>are simply</a:t>
             </a:r>
             <a:r>
               <a:rPr lang="en-US" baseline="0" dirty="0"/>
-              <a:t> HARDWARE here not the applications running on the hardware. We want the underlying infrastructure to be a commodity of storage network and compute . So the when we can design our application so that it is free to scale.  The big internet companies like Google, Facebook, and Yahoo learned this early on.</a:t>
+              <a:t> a commodity or utility and have no strategic value at all.</a:t>
             </a:r>
             <a:endParaRPr lang="en-US" dirty="0"/>
           </a:p>
@@ -3942,7 +4107,7 @@
           <a:p>
             <a:fld id="{3E2FC9AB-7B39-4BAC-9708-E80D5B372A62}" type="slidenum">
               <a:rPr lang="en-US" smtClean="0"/>
-              <a:t>7</a:t>
+              <a:t>6</a:t>
             </a:fld>
             <a:endParaRPr lang="en-US"/>
           </a:p>
@@ -3951,7 +4116,7 @@
     </p:spTree>
     <p:extLst>
       <p:ext uri="{BB962C8B-B14F-4D97-AF65-F5344CB8AC3E}">
-        <p14:creationId xmlns:p14="http://schemas.microsoft.com/office/powerpoint/2010/main" val="2193025331"/>
+        <p14:creationId xmlns:p14="http://schemas.microsoft.com/office/powerpoint/2010/main" val="4227259752"/>
       </p:ext>
     </p:extLst>
   </p:cSld>
@@ -4007,11 +4172,19 @@
           <a:p>
             <a:r>
               <a:rPr lang="en-US" dirty="0"/>
-              <a:t>When you have</a:t>
+              <a:t>A big mantra</a:t>
             </a:r>
             <a:r>
               <a:rPr lang="en-US" baseline="0" dirty="0"/>
-              <a:t> this mindset, you’re ready for DevOps.</a:t>
+              <a:t> of DevOps is “Treat Servers like Cattle, Not Pets”   </a:t>
+            </a:r>
+            <a:r>
+              <a:rPr lang="en-US" dirty="0"/>
+              <a:t>It’s important to recognize we’re talking about</a:t>
+            </a:r>
+            <a:r>
+              <a:rPr lang="en-US" baseline="0" dirty="0"/>
+              <a:t> HARDWARE here not the applications running on the hardware. We want the underlying infrastructure to be a commodity of storage network and compute . So the when we can design our application so that it is free to scale.  The big internet companies like Google, Facebook, and Yahoo learned this early on.</a:t>
             </a:r>
             <a:endParaRPr lang="en-US" dirty="0"/>
           </a:p>
@@ -4034,7 +4207,7 @@
           <a:p>
             <a:fld id="{3E2FC9AB-7B39-4BAC-9708-E80D5B372A62}" type="slidenum">
               <a:rPr lang="en-US" smtClean="0"/>
-              <a:t>8</a:t>
+              <a:t>7</a:t>
             </a:fld>
             <a:endParaRPr lang="en-US"/>
           </a:p>
@@ -4043,7 +4216,7 @@
     </p:spTree>
     <p:extLst>
       <p:ext uri="{BB962C8B-B14F-4D97-AF65-F5344CB8AC3E}">
-        <p14:creationId xmlns:p14="http://schemas.microsoft.com/office/powerpoint/2010/main" val="3762608301"/>
+        <p14:creationId xmlns:p14="http://schemas.microsoft.com/office/powerpoint/2010/main" val="2193025331"/>
       </p:ext>
     </p:extLst>
   </p:cSld>
@@ -4097,29 +4270,14 @@
           <a:bodyPr/>
           <a:lstStyle/>
           <a:p>
-            <a:pPr marL="0" marR="0" lvl="0" indent="0" algn="l" defTabSz="914400" rtl="0" eaLnBrk="1" fontAlgn="auto" latinLnBrk="0" hangingPunct="1">
-              <a:lnSpc>
-                <a:spcPct val="100000"/>
-              </a:lnSpc>
-              <a:spcBef>
-                <a:spcPts val="0"/>
-              </a:spcBef>
-              <a:spcAft>
-                <a:spcPts val="0"/>
-              </a:spcAft>
-              <a:buClrTx/>
-              <a:buSzTx/>
-              <a:buFontTx/>
-              <a:buNone/>
-              <a:tabLst/>
-              <a:defRPr/>
-            </a:pPr>
             <a:r>
               <a:rPr lang="en-US" dirty="0"/>
-              <a:t>ALWAYS CONSULT THE SYLLABUS</a:t>
-            </a:r>
-          </a:p>
-          <a:p>
+              <a:t>When you have</a:t>
+            </a:r>
+            <a:r>
+              <a:rPr lang="en-US" baseline="0" dirty="0"/>
+              <a:t> this mindset, you’re ready for DevOps.</a:t>
+            </a:r>
             <a:endParaRPr lang="en-US" dirty="0"/>
           </a:p>
         </p:txBody>
@@ -4139,9 +4297,9 @@
           <a:bodyPr/>
           <a:lstStyle/>
           <a:p>
-            <a:fld id="{0112F830-31CF-4898-9DC8-86941997CB87}" type="slidenum">
+            <a:fld id="{3E2FC9AB-7B39-4BAC-9708-E80D5B372A62}" type="slidenum">
               <a:rPr lang="en-US" smtClean="0"/>
-              <a:t>12</a:t>
+              <a:t>8</a:t>
             </a:fld>
             <a:endParaRPr lang="en-US"/>
           </a:p>
@@ -4150,7 +4308,204 @@
     </p:spTree>
     <p:extLst>
       <p:ext uri="{BB962C8B-B14F-4D97-AF65-F5344CB8AC3E}">
-        <p14:creationId xmlns:p14="http://schemas.microsoft.com/office/powerpoint/2010/main" val="2577053777"/>
+        <p14:creationId xmlns:p14="http://schemas.microsoft.com/office/powerpoint/2010/main" val="3762608301"/>
+      </p:ext>
+    </p:extLst>
+  </p:cSld>
+  <p:clrMapOvr>
+    <a:masterClrMapping/>
+  </p:clrMapOvr>
+</p:notes>
+</file>
+
+<file path=ppt/notesSlides/notesSlide8.xml><?xml version="1.0" encoding="utf-8"?>
+<p:notes xmlns:a="http://schemas.openxmlformats.org/drawingml/2006/main" xmlns:r="http://schemas.openxmlformats.org/officeDocument/2006/relationships" xmlns:p="http://schemas.openxmlformats.org/presentationml/2006/main">
+  <p:cSld>
+    <p:spTree>
+      <p:nvGrpSpPr>
+        <p:cNvPr id="1" name=""/>
+        <p:cNvGrpSpPr/>
+        <p:nvPr/>
+      </p:nvGrpSpPr>
+      <p:grpSpPr>
+        <a:xfrm>
+          <a:off x="0" y="0"/>
+          <a:ext cx="0" cy="0"/>
+          <a:chOff x="0" y="0"/>
+          <a:chExt cx="0" cy="0"/>
+        </a:xfrm>
+      </p:grpSpPr>
+      <p:sp>
+        <p:nvSpPr>
+          <p:cNvPr id="2" name="Slide Image Placeholder 1"/>
+          <p:cNvSpPr>
+            <a:spLocks noGrp="1" noRot="1" noChangeAspect="1"/>
+          </p:cNvSpPr>
+          <p:nvPr>
+            <p:ph type="sldImg"/>
+          </p:nvPr>
+        </p:nvSpPr>
+        <p:spPr/>
+      </p:sp>
+      <p:sp>
+        <p:nvSpPr>
+          <p:cNvPr id="3" name="Notes Placeholder 2"/>
+          <p:cNvSpPr>
+            <a:spLocks noGrp="1"/>
+          </p:cNvSpPr>
+          <p:nvPr>
+            <p:ph type="body" idx="1"/>
+          </p:nvPr>
+        </p:nvSpPr>
+        <p:spPr/>
+        <p:txBody>
+          <a:bodyPr/>
+          <a:lstStyle/>
+          <a:p>
+            <a:r>
+              <a:rPr lang="en-US" dirty="0" smtClean="0"/>
+              <a:t>Discuss the pros and cons of each.</a:t>
+            </a:r>
+            <a:endParaRPr lang="en-US" dirty="0"/>
+          </a:p>
+        </p:txBody>
+      </p:sp>
+      <p:sp>
+        <p:nvSpPr>
+          <p:cNvPr id="4" name="Slide Number Placeholder 3"/>
+          <p:cNvSpPr>
+            <a:spLocks noGrp="1"/>
+          </p:cNvSpPr>
+          <p:nvPr>
+            <p:ph type="sldNum" sz="quarter" idx="10"/>
+          </p:nvPr>
+        </p:nvSpPr>
+        <p:spPr/>
+        <p:txBody>
+          <a:bodyPr/>
+          <a:lstStyle/>
+          <a:p>
+            <a:fld id="{0112F830-31CF-4898-9DC8-86941997CB87}" type="slidenum">
+              <a:rPr lang="en-US" smtClean="0"/>
+              <a:t>9</a:t>
+            </a:fld>
+            <a:endParaRPr lang="en-US"/>
+          </a:p>
+        </p:txBody>
+      </p:sp>
+    </p:spTree>
+    <p:extLst>
+      <p:ext uri="{BB962C8B-B14F-4D97-AF65-F5344CB8AC3E}">
+        <p14:creationId xmlns:p14="http://schemas.microsoft.com/office/powerpoint/2010/main" val="3948671492"/>
+      </p:ext>
+    </p:extLst>
+  </p:cSld>
+  <p:clrMapOvr>
+    <a:masterClrMapping/>
+  </p:clrMapOvr>
+</p:notes>
+</file>
+
+<file path=ppt/notesSlides/notesSlide9.xml><?xml version="1.0" encoding="utf-8"?>
+<p:notes xmlns:a="http://schemas.openxmlformats.org/drawingml/2006/main" xmlns:r="http://schemas.openxmlformats.org/officeDocument/2006/relationships" xmlns:p="http://schemas.openxmlformats.org/presentationml/2006/main">
+  <p:cSld>
+    <p:spTree>
+      <p:nvGrpSpPr>
+        <p:cNvPr id="1" name=""/>
+        <p:cNvGrpSpPr/>
+        <p:nvPr/>
+      </p:nvGrpSpPr>
+      <p:grpSpPr>
+        <a:xfrm>
+          <a:off x="0" y="0"/>
+          <a:ext cx="0" cy="0"/>
+          <a:chOff x="0" y="0"/>
+          <a:chExt cx="0" cy="0"/>
+        </a:xfrm>
+      </p:grpSpPr>
+      <p:sp>
+        <p:nvSpPr>
+          <p:cNvPr id="2" name="Slide Image Placeholder 1"/>
+          <p:cNvSpPr>
+            <a:spLocks noGrp="1" noRot="1" noChangeAspect="1"/>
+          </p:cNvSpPr>
+          <p:nvPr>
+            <p:ph type="sldImg"/>
+          </p:nvPr>
+        </p:nvSpPr>
+        <p:spPr/>
+      </p:sp>
+      <p:sp>
+        <p:nvSpPr>
+          <p:cNvPr id="3" name="Notes Placeholder 2"/>
+          <p:cNvSpPr>
+            <a:spLocks noGrp="1"/>
+          </p:cNvSpPr>
+          <p:nvPr>
+            <p:ph type="body" idx="1"/>
+          </p:nvPr>
+        </p:nvSpPr>
+        <p:spPr/>
+        <p:txBody>
+          <a:bodyPr/>
+          <a:lstStyle/>
+          <a:p>
+            <a:r>
+              <a:rPr lang="en-US" dirty="0" smtClean="0"/>
+              <a:t>Demonstrate hosts and guests in the lab environment.  Host – running downstairs in 027. Guest the</a:t>
+            </a:r>
+            <a:r>
+              <a:rPr lang="en-US" baseline="0" dirty="0" smtClean="0"/>
+              <a:t> windows 10 computer.</a:t>
+            </a:r>
+          </a:p>
+          <a:p>
+            <a:endParaRPr lang="en-US" baseline="0" dirty="0" smtClean="0"/>
+          </a:p>
+          <a:p>
+            <a:r>
+              <a:rPr lang="en-US" baseline="0" dirty="0" smtClean="0"/>
+              <a:t>The virtual machine “guest” acts as a “host” for </a:t>
+            </a:r>
+            <a:r>
+              <a:rPr lang="en-US" baseline="0" dirty="0" err="1" smtClean="0"/>
+              <a:t>docker</a:t>
+            </a:r>
+            <a:r>
+              <a:rPr lang="en-US" baseline="0" dirty="0" smtClean="0"/>
+              <a:t> containers. </a:t>
+            </a:r>
+            <a:endParaRPr lang="en-US" dirty="0"/>
+          </a:p>
+        </p:txBody>
+      </p:sp>
+      <p:sp>
+        <p:nvSpPr>
+          <p:cNvPr id="4" name="Slide Number Placeholder 3"/>
+          <p:cNvSpPr>
+            <a:spLocks noGrp="1"/>
+          </p:cNvSpPr>
+          <p:nvPr>
+            <p:ph type="sldNum" sz="quarter" idx="10"/>
+          </p:nvPr>
+        </p:nvSpPr>
+        <p:spPr/>
+        <p:txBody>
+          <a:bodyPr/>
+          <a:lstStyle/>
+          <a:p>
+            <a:fld id="{0112F830-31CF-4898-9DC8-86941997CB87}" type="slidenum">
+              <a:rPr lang="en-US" smtClean="0"/>
+              <a:t>11</a:t>
+            </a:fld>
+            <a:endParaRPr lang="en-US"/>
+          </a:p>
+        </p:txBody>
+      </p:sp>
+    </p:spTree>
+    <p:extLst>
+      <p:ext uri="{BB962C8B-B14F-4D97-AF65-F5344CB8AC3E}">
+        <p14:creationId xmlns:p14="http://schemas.microsoft.com/office/powerpoint/2010/main" val="3782138217"/>
       </p:ext>
     </p:extLst>
   </p:cSld>
@@ -4291,7 +4646,7 @@
           <a:p>
             <a:fld id="{C8AC65AB-5746-43EA-A59E-648FB11CA309}" type="datetimeFigureOut">
               <a:rPr lang="en-US" smtClean="0"/>
-              <a:t>8/11/2018</a:t>
+              <a:t>8/28/2018</a:t>
             </a:fld>
             <a:endParaRPr lang="en-US"/>
           </a:p>
@@ -4461,7 +4816,7 @@
           <a:p>
             <a:fld id="{C8AC65AB-5746-43EA-A59E-648FB11CA309}" type="datetimeFigureOut">
               <a:rPr lang="en-US" smtClean="0"/>
-              <a:t>8/11/2018</a:t>
+              <a:t>8/28/2018</a:t>
             </a:fld>
             <a:endParaRPr lang="en-US"/>
           </a:p>
@@ -4641,7 +4996,7 @@
           <a:p>
             <a:fld id="{C8AC65AB-5746-43EA-A59E-648FB11CA309}" type="datetimeFigureOut">
               <a:rPr lang="en-US" smtClean="0"/>
-              <a:t>8/11/2018</a:t>
+              <a:t>8/28/2018</a:t>
             </a:fld>
             <a:endParaRPr lang="en-US"/>
           </a:p>
@@ -4833,7 +5188,7 @@
           <a:p>
             <a:fld id="{C8AC65AB-5746-43EA-A59E-648FB11CA309}" type="datetimeFigureOut">
               <a:rPr lang="en-US" smtClean="0"/>
-              <a:t>8/11/2018</a:t>
+              <a:t>8/28/2018</a:t>
             </a:fld>
             <a:endParaRPr lang="en-US"/>
           </a:p>
@@ -5078,7 +5433,7 @@
           <a:p>
             <a:fld id="{C8AC65AB-5746-43EA-A59E-648FB11CA309}" type="datetimeFigureOut">
               <a:rPr lang="en-US" smtClean="0"/>
-              <a:t>8/11/2018</a:t>
+              <a:t>8/28/2018</a:t>
             </a:fld>
             <a:endParaRPr lang="en-US"/>
           </a:p>
@@ -5315,7 +5670,7 @@
           <a:p>
             <a:fld id="{C8AC65AB-5746-43EA-A59E-648FB11CA309}" type="datetimeFigureOut">
               <a:rPr lang="en-US" smtClean="0"/>
-              <a:t>8/11/2018</a:t>
+              <a:t>8/28/2018</a:t>
             </a:fld>
             <a:endParaRPr lang="en-US"/>
           </a:p>
@@ -5691,7 +6046,7 @@
           <a:p>
             <a:fld id="{C8AC65AB-5746-43EA-A59E-648FB11CA309}" type="datetimeFigureOut">
               <a:rPr lang="en-US" smtClean="0"/>
-              <a:t>8/11/2018</a:t>
+              <a:t>8/28/2018</a:t>
             </a:fld>
             <a:endParaRPr lang="en-US"/>
           </a:p>
@@ -5814,7 +6169,7 @@
           <a:p>
             <a:fld id="{C8AC65AB-5746-43EA-A59E-648FB11CA309}" type="datetimeFigureOut">
               <a:rPr lang="en-US" smtClean="0"/>
-              <a:t>8/11/2018</a:t>
+              <a:t>8/28/2018</a:t>
             </a:fld>
             <a:endParaRPr lang="en-US"/>
           </a:p>
@@ -5909,7 +6264,7 @@
           <a:p>
             <a:fld id="{C8AC65AB-5746-43EA-A59E-648FB11CA309}" type="datetimeFigureOut">
               <a:rPr lang="en-US" smtClean="0"/>
-              <a:t>8/11/2018</a:t>
+              <a:t>8/28/2018</a:t>
             </a:fld>
             <a:endParaRPr lang="en-US"/>
           </a:p>
@@ -6186,7 +6541,7 @@
           <a:p>
             <a:fld id="{C8AC65AB-5746-43EA-A59E-648FB11CA309}" type="datetimeFigureOut">
               <a:rPr lang="en-US" smtClean="0"/>
-              <a:t>8/11/2018</a:t>
+              <a:t>8/28/2018</a:t>
             </a:fld>
             <a:endParaRPr lang="en-US"/>
           </a:p>
@@ -6443,7 +6798,7 @@
           <a:p>
             <a:fld id="{C8AC65AB-5746-43EA-A59E-648FB11CA309}" type="datetimeFigureOut">
               <a:rPr lang="en-US" smtClean="0"/>
-              <a:t>8/11/2018</a:t>
+              <a:t>8/28/2018</a:t>
             </a:fld>
             <a:endParaRPr lang="en-US"/>
           </a:p>
@@ -6656,7 +7011,7 @@
           <a:p>
             <a:fld id="{C8AC65AB-5746-43EA-A59E-648FB11CA309}" type="datetimeFigureOut">
               <a:rPr lang="en-US" smtClean="0"/>
-              <a:t>8/11/2018</a:t>
+              <a:t>8/28/2018</a:t>
             </a:fld>
             <a:endParaRPr lang="en-US"/>
           </a:p>
@@ -7077,7 +7432,7 @@
                 <a16:creationId xmlns:a16="http://schemas.microsoft.com/office/drawing/2014/main" id="{6753252F-4873-4F63-801D-CC719279A7D5}"/>
               </a:ext>
               <a:ext uri="{C183D7F6-B498-43B3-948B-1728B52AA6E4}">
-                <adec:decorative xmlns:adec="http://schemas.microsoft.com/office/drawing/2017/decorative" val="1"/>
+                <adec:decorative xmlns="" xmlns:adec="http://schemas.microsoft.com/office/drawing/2017/decorative" val="1"/>
               </a:ext>
             </a:extLst>
           </p:cNvPr>
@@ -7169,7 +7524,7 @@
                 <a16:creationId xmlns:a16="http://schemas.microsoft.com/office/drawing/2014/main" id="{047C8CCB-F95D-4249-92DD-651249D3535A}"/>
               </a:ext>
               <a:ext uri="{C183D7F6-B498-43B3-948B-1728B52AA6E4}">
-                <adec:decorative xmlns:adec="http://schemas.microsoft.com/office/drawing/2017/decorative" val="1"/>
+                <adec:decorative xmlns="" xmlns:adec="http://schemas.microsoft.com/office/drawing/2017/decorative" val="1"/>
               </a:ext>
             </a:extLst>
           </p:cNvPr>
@@ -7253,55 +7608,6 @@
           </a:p>
         </p:txBody>
       </p:sp>
-      <p:pic>
-        <p:nvPicPr>
-          <p:cNvPr id="7" name="Picture 2" descr="http://www.glasbergen.com/wp-content/gallery/global/global6.gif">
-            <a:extLst>
-              <a:ext uri="{FF2B5EF4-FFF2-40B4-BE49-F238E27FC236}">
-                <a16:creationId xmlns:a16="http://schemas.microsoft.com/office/drawing/2014/main" id="{A9BC627B-E721-452A-932F-9FD4D95998A1}"/>
-              </a:ext>
-            </a:extLst>
-          </p:cNvPr>
-          <p:cNvPicPr>
-            <a:picLocks noGrp="1" noChangeAspect="1" noChangeArrowheads="1"/>
-          </p:cNvPicPr>
-          <p:nvPr>
-            <p:ph idx="1"/>
-          </p:nvPr>
-        </p:nvPicPr>
-        <p:blipFill>
-          <a:blip r:embed="rId3">
-            <a:extLst>
-              <a:ext uri="{28A0092B-C50C-407E-A947-70E740481C1C}">
-                <a14:useLocalDpi xmlns:a14="http://schemas.microsoft.com/office/drawing/2010/main" val="0"/>
-              </a:ext>
-            </a:extLst>
-          </a:blip>
-          <a:srcRect/>
-          <a:stretch>
-            <a:fillRect/>
-          </a:stretch>
-        </p:blipFill>
-        <p:spPr bwMode="auto">
-          <a:xfrm>
-            <a:off x="4287865" y="961812"/>
-            <a:ext cx="6689668" cy="4930987"/>
-          </a:xfrm>
-          <a:prstGeom prst="rect">
-            <a:avLst/>
-          </a:prstGeom>
-          <a:noFill/>
-          <a:extLst>
-            <a:ext uri="{909E8E84-426E-40DD-AFC4-6F175D3DCCD1}">
-              <a14:hiddenFill xmlns:a14="http://schemas.microsoft.com/office/drawing/2010/main">
-                <a:solidFill>
-                  <a:srgbClr val="FFFFFF"/>
-                </a:solidFill>
-              </a14:hiddenFill>
-            </a:ext>
-          </a:extLst>
-        </p:spPr>
-      </p:pic>
       <p:sp>
         <p:nvSpPr>
           <p:cNvPr id="2" name="Title 1">
@@ -7351,11 +7657,95 @@
                 <a:ea typeface="+mj-ea"/>
                 <a:cs typeface="+mj-cs"/>
               </a:rPr>
-              <a:t>IST346: TEMPLATE</a:t>
-            </a:r>
-          </a:p>
-        </p:txBody>
-      </p:sp>
+              <a:t>IST346: </a:t>
+            </a:r>
+            <a:r>
+              <a:rPr lang="en-US" sz="2000" kern="1200" dirty="0" smtClean="0">
+                <a:solidFill>
+                  <a:srgbClr val="FFFFFF"/>
+                </a:solidFill>
+                <a:latin typeface="+mj-lt"/>
+                <a:ea typeface="+mj-ea"/>
+                <a:cs typeface="+mj-cs"/>
+              </a:rPr>
+              <a:t>Virtualization and Containerization</a:t>
+            </a:r>
+            <a:endParaRPr lang="en-US" sz="2000" kern="1200" dirty="0">
+              <a:solidFill>
+                <a:srgbClr val="FFFFFF"/>
+              </a:solidFill>
+              <a:latin typeface="+mj-lt"/>
+              <a:ea typeface="+mj-ea"/>
+              <a:cs typeface="+mj-cs"/>
+            </a:endParaRPr>
+          </a:p>
+        </p:txBody>
+      </p:sp>
+      <p:sp>
+        <p:nvSpPr>
+          <p:cNvPr id="3" name="Content Placeholder 2"/>
+          <p:cNvSpPr>
+            <a:spLocks noGrp="1"/>
+          </p:cNvSpPr>
+          <p:nvPr>
+            <p:ph idx="1"/>
+          </p:nvPr>
+        </p:nvSpPr>
+        <p:spPr>
+          <a:xfrm>
+            <a:off x="3429054" y="1825625"/>
+            <a:ext cx="7924746" cy="4351338"/>
+          </a:xfrm>
+        </p:spPr>
+        <p:txBody>
+          <a:bodyPr/>
+          <a:lstStyle/>
+          <a:p>
+            <a:endParaRPr lang="en-US" dirty="0"/>
+          </a:p>
+        </p:txBody>
+      </p:sp>
+      <p:pic>
+        <p:nvPicPr>
+          <p:cNvPr id="1028" name="Picture 4" descr="Image result for cartoon docker"/>
+          <p:cNvPicPr>
+            <a:picLocks noChangeAspect="1" noChangeArrowheads="1"/>
+          </p:cNvPicPr>
+          <p:nvPr/>
+        </p:nvPicPr>
+        <p:blipFill>
+          <a:blip r:embed="rId3">
+            <a:extLst>
+              <a:ext uri="{28A0092B-C50C-407E-A947-70E740481C1C}">
+                <a14:useLocalDpi xmlns:a14="http://schemas.microsoft.com/office/drawing/2010/main" val="0"/>
+              </a:ext>
+            </a:extLst>
+          </a:blip>
+          <a:srcRect/>
+          <a:stretch>
+            <a:fillRect/>
+          </a:stretch>
+        </p:blipFill>
+        <p:spPr bwMode="auto">
+          <a:xfrm>
+            <a:off x="4365170" y="846204"/>
+            <a:ext cx="7217756" cy="5418975"/>
+          </a:xfrm>
+          <a:prstGeom prst="rect">
+            <a:avLst/>
+          </a:prstGeom>
+          <a:noFill/>
+          <a:extLst>
+            <a:ext uri="{909E8E84-426E-40DD-AFC4-6F175D3DCCD1}">
+              <a14:hiddenFill xmlns:a14="http://schemas.microsoft.com/office/drawing/2010/main">
+                <a:solidFill>
+                  <a:srgbClr val="FFFFFF"/>
+                </a:solidFill>
+              </a14:hiddenFill>
+            </a:ext>
+          </a:extLst>
+        </p:spPr>
+      </p:pic>
     </p:spTree>
     <p:extLst>
       <p:ext uri="{BB962C8B-B14F-4D97-AF65-F5344CB8AC3E}">
@@ -7370,6 +7760,186 @@
 </file>
 
 <file path=ppt/slides/slide10.xml><?xml version="1.0" encoding="utf-8"?>
+<p:sld xmlns:a="http://schemas.openxmlformats.org/drawingml/2006/main" xmlns:r="http://schemas.openxmlformats.org/officeDocument/2006/relationships" xmlns:p="http://schemas.openxmlformats.org/presentationml/2006/main">
+  <p:cSld>
+    <p:spTree>
+      <p:nvGrpSpPr>
+        <p:cNvPr id="1" name=""/>
+        <p:cNvGrpSpPr/>
+        <p:nvPr/>
+      </p:nvGrpSpPr>
+      <p:grpSpPr>
+        <a:xfrm>
+          <a:off x="0" y="0"/>
+          <a:ext cx="0" cy="0"/>
+          <a:chOff x="0" y="0"/>
+          <a:chExt cx="0" cy="0"/>
+        </a:xfrm>
+      </p:grpSpPr>
+      <p:sp>
+        <p:nvSpPr>
+          <p:cNvPr id="2" name="Title 1"/>
+          <p:cNvSpPr>
+            <a:spLocks noGrp="1"/>
+          </p:cNvSpPr>
+          <p:nvPr>
+            <p:ph type="title"/>
+          </p:nvPr>
+        </p:nvSpPr>
+        <p:spPr/>
+        <p:txBody>
+          <a:bodyPr/>
+          <a:lstStyle/>
+          <a:p>
+            <a:r>
+              <a:rPr lang="en-US" dirty="0" smtClean="0"/>
+              <a:t>Important Concepts</a:t>
+            </a:r>
+            <a:endParaRPr lang="en-US" dirty="0"/>
+          </a:p>
+        </p:txBody>
+      </p:sp>
+      <p:sp>
+        <p:nvSpPr>
+          <p:cNvPr id="3" name="Content Placeholder 2"/>
+          <p:cNvSpPr>
+            <a:spLocks noGrp="1"/>
+          </p:cNvSpPr>
+          <p:nvPr>
+            <p:ph idx="1"/>
+          </p:nvPr>
+        </p:nvSpPr>
+        <p:spPr/>
+        <p:txBody>
+          <a:bodyPr/>
+          <a:lstStyle/>
+          <a:p>
+            <a:r>
+              <a:rPr lang="en-US" dirty="0" smtClean="0"/>
+              <a:t>Host – the computer running the virtual machines or containers.</a:t>
+            </a:r>
+          </a:p>
+          <a:p>
+            <a:r>
+              <a:rPr lang="en-US" dirty="0" smtClean="0"/>
+              <a:t>Guest – the operating system running as a virtual machine.</a:t>
+            </a:r>
+          </a:p>
+          <a:p>
+            <a:r>
+              <a:rPr lang="en-US" dirty="0" smtClean="0"/>
+              <a:t>Image – the software necessary to run an application.</a:t>
+            </a:r>
+          </a:p>
+          <a:p>
+            <a:r>
+              <a:rPr lang="en-US" dirty="0" smtClean="0"/>
+              <a:t>Container – a self-contained unit of software based on an image.</a:t>
+            </a:r>
+            <a:endParaRPr lang="en-US" dirty="0"/>
+          </a:p>
+        </p:txBody>
+      </p:sp>
+    </p:spTree>
+    <p:extLst>
+      <p:ext uri="{BB962C8B-B14F-4D97-AF65-F5344CB8AC3E}">
+        <p14:creationId xmlns:p14="http://schemas.microsoft.com/office/powerpoint/2010/main" val="668344275"/>
+      </p:ext>
+    </p:extLst>
+  </p:cSld>
+  <p:clrMapOvr>
+    <a:masterClrMapping/>
+  </p:clrMapOvr>
+  <p:timing>
+    <p:tnLst>
+      <p:par>
+        <p:cTn id="1" dur="indefinite" restart="never" nodeType="tmRoot"/>
+      </p:par>
+    </p:tnLst>
+  </p:timing>
+</p:sld>
+</file>
+
+<file path=ppt/slides/slide11.xml><?xml version="1.0" encoding="utf-8"?>
+<p:sld xmlns:a="http://schemas.openxmlformats.org/drawingml/2006/main" xmlns:r="http://schemas.openxmlformats.org/officeDocument/2006/relationships" xmlns:p="http://schemas.openxmlformats.org/presentationml/2006/main">
+  <p:cSld>
+    <p:spTree>
+      <p:nvGrpSpPr>
+        <p:cNvPr id="1" name=""/>
+        <p:cNvGrpSpPr/>
+        <p:nvPr/>
+      </p:nvGrpSpPr>
+      <p:grpSpPr>
+        <a:xfrm>
+          <a:off x="0" y="0"/>
+          <a:ext cx="0" cy="0"/>
+          <a:chOff x="0" y="0"/>
+          <a:chExt cx="0" cy="0"/>
+        </a:xfrm>
+      </p:grpSpPr>
+      <p:sp>
+        <p:nvSpPr>
+          <p:cNvPr id="2" name="Title 1"/>
+          <p:cNvSpPr>
+            <a:spLocks noGrp="1"/>
+          </p:cNvSpPr>
+          <p:nvPr>
+            <p:ph type="title"/>
+          </p:nvPr>
+        </p:nvSpPr>
+        <p:spPr/>
+        <p:txBody>
+          <a:bodyPr/>
+          <a:lstStyle/>
+          <a:p>
+            <a:r>
+              <a:rPr lang="en-US" dirty="0" smtClean="0"/>
+              <a:t>Demo: Lab Environment</a:t>
+            </a:r>
+            <a:endParaRPr lang="en-US" dirty="0"/>
+          </a:p>
+        </p:txBody>
+      </p:sp>
+      <p:sp>
+        <p:nvSpPr>
+          <p:cNvPr id="4" name="Text Placeholder 3"/>
+          <p:cNvSpPr>
+            <a:spLocks noGrp="1"/>
+          </p:cNvSpPr>
+          <p:nvPr>
+            <p:ph type="body" idx="1"/>
+          </p:nvPr>
+        </p:nvSpPr>
+        <p:spPr/>
+        <p:txBody>
+          <a:bodyPr/>
+          <a:lstStyle/>
+          <a:p>
+            <a:endParaRPr lang="en-US" dirty="0"/>
+          </a:p>
+        </p:txBody>
+      </p:sp>
+    </p:spTree>
+    <p:extLst>
+      <p:ext uri="{BB962C8B-B14F-4D97-AF65-F5344CB8AC3E}">
+        <p14:creationId xmlns:p14="http://schemas.microsoft.com/office/powerpoint/2010/main" val="2203579099"/>
+      </p:ext>
+    </p:extLst>
+  </p:cSld>
+  <p:clrMapOvr>
+    <a:masterClrMapping/>
+  </p:clrMapOvr>
+  <p:timing>
+    <p:tnLst>
+      <p:par>
+        <p:cTn id="1" dur="indefinite" restart="never" nodeType="tmRoot"/>
+      </p:par>
+    </p:tnLst>
+  </p:timing>
+</p:sld>
+</file>
+
+<file path=ppt/slides/slide12.xml><?xml version="1.0" encoding="utf-8"?>
 <p:sld xmlns:a="http://schemas.openxmlformats.org/drawingml/2006/main" xmlns:r="http://schemas.openxmlformats.org/officeDocument/2006/relationships" xmlns:p="http://schemas.openxmlformats.org/presentationml/2006/main">
   <p:cSld>
     <p:bg>
@@ -7402,7 +7972,7 @@
                 <a16:creationId xmlns:a16="http://schemas.microsoft.com/office/drawing/2014/main" id="{C66F2F30-5DC0-44A0-BFA6-E12F46ED16DA}"/>
               </a:ext>
               <a:ext uri="{C183D7F6-B498-43B3-948B-1728B52AA6E4}">
-                <adec:decorative xmlns:adec="http://schemas.microsoft.com/office/drawing/2017/decorative" val="1"/>
+                <adec:decorative xmlns="" xmlns:adec="http://schemas.microsoft.com/office/drawing/2017/decorative" val="1"/>
               </a:ext>
             </a:extLst>
           </p:cNvPr>
@@ -7526,7 +8096,7 @@
                 <a16:creationId xmlns:a16="http://schemas.microsoft.com/office/drawing/2014/main" id="{85872F57-7F42-4F97-8391-DDC8D0054C03}"/>
               </a:ext>
               <a:ext uri="{C183D7F6-B498-43B3-948B-1728B52AA6E4}">
-                <adec:decorative xmlns:adec="http://schemas.microsoft.com/office/drawing/2017/decorative" val="1"/>
+                <adec:decorative xmlns="" xmlns:adec="http://schemas.microsoft.com/office/drawing/2017/decorative" val="1"/>
               </a:ext>
             </a:extLst>
           </p:cNvPr>
@@ -7682,7 +8252,7 @@
                 <a16:creationId xmlns:a16="http://schemas.microsoft.com/office/drawing/2014/main" id="{04DC2037-48A0-4F22-B9D4-8EAEBC780AB4}"/>
               </a:ext>
               <a:ext uri="{C183D7F6-B498-43B3-948B-1728B52AA6E4}">
-                <adec:decorative xmlns:adec="http://schemas.microsoft.com/office/drawing/2017/decorative" val="1"/>
+                <adec:decorative xmlns="" xmlns:adec="http://schemas.microsoft.com/office/drawing/2017/decorative" val="1"/>
               </a:ext>
             </a:extLst>
           </p:cNvPr>
@@ -7787,7 +8357,7 @@
                 <a16:creationId xmlns:a16="http://schemas.microsoft.com/office/drawing/2014/main" id="{0006CBFD-ADA0-43D1-9332-9C34CA1C76ED}"/>
               </a:ext>
               <a:ext uri="{C183D7F6-B498-43B3-948B-1728B52AA6E4}">
-                <adec:decorative xmlns:adec="http://schemas.microsoft.com/office/drawing/2017/decorative" val="1"/>
+                <adec:decorative xmlns="" xmlns:adec="http://schemas.microsoft.com/office/drawing/2017/decorative" val="1"/>
               </a:ext>
             </a:extLst>
           </p:cNvPr>
@@ -7895,7 +8465,7 @@
                 <a16:creationId xmlns:a16="http://schemas.microsoft.com/office/drawing/2014/main" id="{2B931666-F28F-45F3-A074-66D2272D580B}"/>
               </a:ext>
               <a:ext uri="{C183D7F6-B498-43B3-948B-1728B52AA6E4}">
-                <adec:decorative xmlns:adec="http://schemas.microsoft.com/office/drawing/2017/decorative" val="1"/>
+                <adec:decorative xmlns="" xmlns:adec="http://schemas.microsoft.com/office/drawing/2017/decorative" val="1"/>
               </a:ext>
             </a:extLst>
           </p:cNvPr>
@@ -8085,7 +8655,7 @@
               <a:buNone/>
             </a:pPr>
             <a:r>
-              <a:rPr lang="en-US" sz="2000" kern="1200">
+              <a:rPr lang="en-US" sz="2000" kern="1200" dirty="0" smtClean="0">
                 <a:solidFill>
                   <a:schemeClr val="tx1"/>
                 </a:solidFill>
@@ -8093,8 +8663,16 @@
                 <a:ea typeface="+mn-ea"/>
                 <a:cs typeface="+mn-cs"/>
               </a:rPr>
-              <a:t>Perform some group activity</a:t>
-            </a:r>
+              <a:t>Research Virtualization and Container</a:t>
+            </a:r>
+            <a:endParaRPr lang="en-US" sz="2000" kern="1200" dirty="0">
+              <a:solidFill>
+                <a:schemeClr val="tx1"/>
+              </a:solidFill>
+              <a:latin typeface="+mn-lt"/>
+              <a:ea typeface="+mn-ea"/>
+              <a:cs typeface="+mn-cs"/>
+            </a:endParaRPr>
           </a:p>
         </p:txBody>
       </p:sp>
@@ -8108,10 +8686,17 @@
   <p:clrMapOvr>
     <a:masterClrMapping/>
   </p:clrMapOvr>
+  <p:timing>
+    <p:tnLst>
+      <p:par>
+        <p:cTn id="1" dur="indefinite" restart="never" nodeType="tmRoot"/>
+      </p:par>
+    </p:tnLst>
+  </p:timing>
 </p:sld>
 </file>
 
-<file path=ppt/slides/slide11.xml><?xml version="1.0" encoding="utf-8"?>
+<file path=ppt/slides/slide13.xml><?xml version="1.0" encoding="utf-8"?>
 <p:sld xmlns:a="http://schemas.openxmlformats.org/drawingml/2006/main" xmlns:r="http://schemas.openxmlformats.org/officeDocument/2006/relationships" xmlns:p="http://schemas.openxmlformats.org/presentationml/2006/main">
   <p:cSld>
     <p:spTree>
@@ -8182,23 +8767,36 @@
           <a:lstStyle/>
           <a:p>
             <a:r>
-              <a:rPr lang="en-US" sz="3200" dirty="0" err="1"/>
-              <a:t>Fsadghsadfasd</a:t>
+              <a:rPr lang="en-US" sz="3600" dirty="0" smtClean="0"/>
+              <a:t>Product research  - Divide into Pairs</a:t>
+            </a:r>
+          </a:p>
+          <a:p>
+            <a:r>
+              <a:rPr lang="en-US" sz="3200" dirty="0" smtClean="0"/>
+              <a:t>The Virtualization we use in this course is VM Ware – research 2 other products which are similar to it.</a:t>
             </a:r>
             <a:endParaRPr lang="en-US" sz="3200" dirty="0"/>
           </a:p>
           <a:p>
             <a:r>
-              <a:rPr lang="en-US" sz="3200" dirty="0" err="1"/>
-              <a:t>Fsadgfsad</a:t>
+              <a:rPr lang="en-US" sz="3200" dirty="0" smtClean="0"/>
+              <a:t>The Containerization we use in this course is Docker. Research 2 </a:t>
+            </a:r>
+            <a:r>
+              <a:rPr lang="en-US" sz="3200" smtClean="0"/>
+              <a:t>other products </a:t>
+            </a:r>
+            <a:r>
+              <a:rPr lang="en-US" sz="3200" dirty="0" smtClean="0"/>
+              <a:t>which are similar to it.</a:t>
             </a:r>
             <a:endParaRPr lang="en-US" sz="3200" dirty="0"/>
           </a:p>
           <a:p>
-            <a:r>
-              <a:rPr lang="en-US" sz="3200" dirty="0" err="1"/>
-              <a:t>fashdfas</a:t>
-            </a:r>
+            <a:pPr marL="0" indent="0">
+              <a:buNone/>
+            </a:pPr>
             <a:endParaRPr lang="en-US" sz="3200" dirty="0"/>
           </a:p>
         </p:txBody>
@@ -8213,10 +8811,17 @@
   <p:clrMapOvr>
     <a:masterClrMapping/>
   </p:clrMapOvr>
+  <p:timing>
+    <p:tnLst>
+      <p:par>
+        <p:cTn id="1" dur="indefinite" restart="never" nodeType="tmRoot"/>
+      </p:par>
+    </p:tnLst>
+  </p:timing>
 </p:sld>
 </file>
 
-<file path=ppt/slides/slide12.xml><?xml version="1.0" encoding="utf-8"?>
+<file path=ppt/slides/slide14.xml><?xml version="1.0" encoding="utf-8"?>
 <p:sld xmlns:a="http://schemas.openxmlformats.org/drawingml/2006/main" xmlns:r="http://schemas.openxmlformats.org/officeDocument/2006/relationships" xmlns:p="http://schemas.openxmlformats.org/presentationml/2006/main">
   <p:cSld>
     <p:bg>
@@ -8262,7 +8867,7 @@
                 <a14:useLocalDpi xmlns:a14="http://schemas.microsoft.com/office/drawing/2010/main" val="0"/>
               </a:ext>
               <a:ext uri="{96DAC541-7B7A-43D3-8B79-37D633B846F1}">
-                <asvg:svgBlip xmlns:asvg="http://schemas.microsoft.com/office/drawing/2016/SVG/main" r:embed="rId4"/>
+                <asvg:svgBlip xmlns="" xmlns:asvg="http://schemas.microsoft.com/office/drawing/2016/SVG/main" r:embed="rId4"/>
               </a:ext>
             </a:extLst>
           </a:blip>
@@ -8288,7 +8893,7 @@
                 <a16:creationId xmlns:a16="http://schemas.microsoft.com/office/drawing/2014/main" id="{1A882A9F-F4E9-4E23-8F0B-20B5DF42EAA9}"/>
               </a:ext>
               <a:ext uri="{C183D7F6-B498-43B3-948B-1728B52AA6E4}">
-                <adec:decorative xmlns:adec="http://schemas.microsoft.com/office/drawing/2017/decorative" val="1"/>
+                <adec:decorative xmlns="" xmlns:adec="http://schemas.microsoft.com/office/drawing/2017/decorative" val="1"/>
               </a:ext>
             </a:extLst>
           </p:cNvPr>
@@ -8382,7 +8987,7 @@
                 <a16:creationId xmlns:a16="http://schemas.microsoft.com/office/drawing/2014/main" id="{FBE9F90C-C163-435B-9A68-D15C92D1CF2B}"/>
               </a:ext>
               <a:ext uri="{C183D7F6-B498-43B3-948B-1728B52AA6E4}">
-                <adec:decorative xmlns:adec="http://schemas.microsoft.com/office/drawing/2017/decorative" val="1"/>
+                <adec:decorative xmlns="" xmlns:adec="http://schemas.microsoft.com/office/drawing/2017/decorative" val="1"/>
               </a:ext>
             </a:extLst>
           </p:cNvPr>
@@ -8476,7 +9081,7 @@
                 <a16:creationId xmlns:a16="http://schemas.microsoft.com/office/drawing/2014/main" id="{CDA1A2E9-63FE-408D-A803-8E306ECAB4B3}"/>
               </a:ext>
               <a:ext uri="{C183D7F6-B498-43B3-948B-1728B52AA6E4}">
-                <adec:decorative xmlns:adec="http://schemas.microsoft.com/office/drawing/2017/decorative" val="1"/>
+                <adec:decorative xmlns="" xmlns:adec="http://schemas.microsoft.com/office/drawing/2017/decorative" val="1"/>
               </a:ext>
             </a:extLst>
           </p:cNvPr>
@@ -8708,9 +9313,17 @@
 </p:sld>
 </file>
 
-<file path=ppt/slides/slide13.xml><?xml version="1.0" encoding="utf-8"?>
+<file path=ppt/slides/slide15.xml><?xml version="1.0" encoding="utf-8"?>
 <p:sld xmlns:a="http://schemas.openxmlformats.org/drawingml/2006/main" xmlns:r="http://schemas.openxmlformats.org/officeDocument/2006/relationships" xmlns:p="http://schemas.openxmlformats.org/presentationml/2006/main">
   <p:cSld>
+    <p:bg>
+      <p:bgPr>
+        <a:solidFill>
+          <a:schemeClr val="bg1"/>
+        </a:solidFill>
+        <a:effectLst/>
+      </p:bgPr>
+    </p:bg>
     <p:spTree>
       <p:nvGrpSpPr>
         <p:cNvPr id="1" name=""/>
@@ -8725,6 +9338,409 @@
           <a:chExt cx="0" cy="0"/>
         </a:xfrm>
       </p:grpSpPr>
+      <p:sp useBgFill="1">
+        <p:nvSpPr>
+          <p:cNvPr id="8" name="Rectangle 7">
+            <a:extLst>
+              <a:ext uri="{FF2B5EF4-FFF2-40B4-BE49-F238E27FC236}">
+                <a16:creationId xmlns:a16="http://schemas.microsoft.com/office/drawing/2014/main" id="{0482A7D0-DB09-4EBA-8D52-E6A5934B668D}"/>
+              </a:ext>
+              <a:ext uri="{C183D7F6-B498-43B3-948B-1728B52AA6E4}">
+                <adec:decorative xmlns:adec="http://schemas.microsoft.com/office/drawing/2017/decorative" xmlns="" val="1"/>
+              </a:ext>
+            </a:extLst>
+          </p:cNvPr>
+          <p:cNvSpPr>
+            <a:spLocks noGrp="1" noRot="1" noChangeAspect="1" noMove="1" noResize="1" noEditPoints="1" noAdjustHandles="1" noChangeArrowheads="1" noChangeShapeType="1" noTextEdit="1"/>
+          </p:cNvSpPr>
+          <p:nvPr>
+            <p:extLst>
+              <p:ext uri="{386F3935-93C4-4BCD-93E2-E3B085C9AB24}">
+                <p16:designElem xmlns:p16="http://schemas.microsoft.com/office/powerpoint/2015/main" val="1"/>
+              </p:ext>
+            </p:extLst>
+          </p:nvPr>
+        </p:nvSpPr>
+        <p:spPr>
+          <a:xfrm>
+            <a:off x="0" y="0"/>
+            <a:ext cx="12192000" cy="6858000"/>
+          </a:xfrm>
+          <a:prstGeom prst="rect">
+            <a:avLst/>
+          </a:prstGeom>
+          <a:ln>
+            <a:noFill/>
+          </a:ln>
+        </p:spPr>
+        <p:style>
+          <a:lnRef idx="2">
+            <a:schemeClr val="accent1">
+              <a:shade val="50000"/>
+            </a:schemeClr>
+          </a:lnRef>
+          <a:fillRef idx="1">
+            <a:schemeClr val="accent1"/>
+          </a:fillRef>
+          <a:effectRef idx="0">
+            <a:schemeClr val="accent1"/>
+          </a:effectRef>
+          <a:fontRef idx="minor">
+            <a:schemeClr val="lt1"/>
+          </a:fontRef>
+        </p:style>
+        <p:txBody>
+          <a:bodyPr rtlCol="0" anchor="ctr"/>
+          <a:lstStyle/>
+          <a:p>
+            <a:pPr marL="0" marR="0" lvl="0" indent="0" algn="ctr" defTabSz="914400" rtl="0" eaLnBrk="1" fontAlgn="auto" latinLnBrk="0" hangingPunct="1">
+              <a:lnSpc>
+                <a:spcPct val="100000"/>
+              </a:lnSpc>
+              <a:spcBef>
+                <a:spcPts val="0"/>
+              </a:spcBef>
+              <a:spcAft>
+                <a:spcPts val="0"/>
+              </a:spcAft>
+              <a:buClrTx/>
+              <a:buSzTx/>
+              <a:buFontTx/>
+              <a:buNone/>
+              <a:tabLst/>
+              <a:defRPr/>
+            </a:pPr>
+            <a:endParaRPr kumimoji="0" lang="en-US" sz="1800" b="0" i="0" u="none" strike="noStrike" kern="1200" cap="none" spc="0" normalizeH="0" baseline="0" noProof="0">
+              <a:ln>
+                <a:noFill/>
+              </a:ln>
+              <a:solidFill>
+                <a:prstClr val="white"/>
+              </a:solidFill>
+              <a:effectLst/>
+              <a:uLnTx/>
+              <a:uFillTx/>
+              <a:latin typeface="Calibri" panose="020F0502020204030204"/>
+              <a:ea typeface="+mn-ea"/>
+              <a:cs typeface="+mn-cs"/>
+            </a:endParaRPr>
+          </a:p>
+        </p:txBody>
+      </p:sp>
+      <p:sp>
+        <p:nvSpPr>
+          <p:cNvPr id="10" name="Freeform: Shape 9">
+            <a:extLst>
+              <a:ext uri="{FF2B5EF4-FFF2-40B4-BE49-F238E27FC236}">
+                <a16:creationId xmlns:a16="http://schemas.microsoft.com/office/drawing/2014/main" id="{1A3688C8-DFCE-4CCD-BCF0-5FB239E5072D}"/>
+              </a:ext>
+              <a:ext uri="{C183D7F6-B498-43B3-948B-1728B52AA6E4}">
+                <adec:decorative xmlns:adec="http://schemas.microsoft.com/office/drawing/2017/decorative" xmlns="" val="1"/>
+              </a:ext>
+            </a:extLst>
+          </p:cNvPr>
+          <p:cNvSpPr>
+            <a:spLocks noGrp="1" noRot="1" noChangeAspect="1" noMove="1" noResize="1" noEditPoints="1" noAdjustHandles="1" noChangeArrowheads="1" noChangeShapeType="1" noTextEdit="1"/>
+          </p:cNvSpPr>
+          <p:nvPr>
+            <p:extLst>
+              <p:ext uri="{386F3935-93C4-4BCD-93E2-E3B085C9AB24}">
+                <p16:designElem xmlns:p16="http://schemas.microsoft.com/office/powerpoint/2015/main" val="1"/>
+              </p:ext>
+            </p:extLst>
+          </p:nvPr>
+        </p:nvSpPr>
+        <p:spPr>
+          <a:xfrm>
+            <a:off x="0" y="2030410"/>
+            <a:ext cx="7005134" cy="4827590"/>
+          </a:xfrm>
+          <a:custGeom>
+            <a:avLst/>
+            <a:gdLst>
+              <a:gd name="connsiteX0" fmla="*/ 1974535 w 7005134"/>
+              <a:gd name="connsiteY0" fmla="*/ 0 h 4827590"/>
+              <a:gd name="connsiteX1" fmla="*/ 7003848 w 7005134"/>
+              <a:gd name="connsiteY1" fmla="*/ 4776721 h 4827590"/>
+              <a:gd name="connsiteX2" fmla="*/ 7005134 w 7005134"/>
+              <a:gd name="connsiteY2" fmla="*/ 4827590 h 4827590"/>
+              <a:gd name="connsiteX3" fmla="*/ 0 w 7005134"/>
+              <a:gd name="connsiteY3" fmla="*/ 4827590 h 4827590"/>
+              <a:gd name="connsiteX4" fmla="*/ 0 w 7005134"/>
+              <a:gd name="connsiteY4" fmla="*/ 402231 h 4827590"/>
+              <a:gd name="connsiteX5" fmla="*/ 14349 w 7005134"/>
+              <a:gd name="connsiteY5" fmla="*/ 395744 h 4827590"/>
+              <a:gd name="connsiteX6" fmla="*/ 1974535 w 7005134"/>
+              <a:gd name="connsiteY6" fmla="*/ 0 h 4827590"/>
+            </a:gdLst>
+            <a:ahLst/>
+            <a:cxnLst>
+              <a:cxn ang="0">
+                <a:pos x="connsiteX0" y="connsiteY0"/>
+              </a:cxn>
+              <a:cxn ang="0">
+                <a:pos x="connsiteX1" y="connsiteY1"/>
+              </a:cxn>
+              <a:cxn ang="0">
+                <a:pos x="connsiteX2" y="connsiteY2"/>
+              </a:cxn>
+              <a:cxn ang="0">
+                <a:pos x="connsiteX3" y="connsiteY3"/>
+              </a:cxn>
+              <a:cxn ang="0">
+                <a:pos x="connsiteX4" y="connsiteY4"/>
+              </a:cxn>
+              <a:cxn ang="0">
+                <a:pos x="connsiteX5" y="connsiteY5"/>
+              </a:cxn>
+              <a:cxn ang="0">
+                <a:pos x="connsiteX6" y="connsiteY6"/>
+              </a:cxn>
+            </a:cxnLst>
+            <a:rect l="l" t="t" r="r" b="b"/>
+            <a:pathLst>
+              <a:path w="7005134" h="4827590">
+                <a:moveTo>
+                  <a:pt x="1974535" y="0"/>
+                </a:moveTo>
+                <a:cubicBezTo>
+                  <a:pt x="4668853" y="0"/>
+                  <a:pt x="6868971" y="2115921"/>
+                  <a:pt x="7003848" y="4776721"/>
+                </a:cubicBezTo>
+                <a:lnTo>
+                  <a:pt x="7005134" y="4827590"/>
+                </a:lnTo>
+                <a:lnTo>
+                  <a:pt x="0" y="4827590"/>
+                </a:lnTo>
+                <a:lnTo>
+                  <a:pt x="0" y="402231"/>
+                </a:lnTo>
+                <a:lnTo>
+                  <a:pt x="14349" y="395744"/>
+                </a:lnTo>
+                <a:cubicBezTo>
+                  <a:pt x="616832" y="140915"/>
+                  <a:pt x="1279227" y="0"/>
+                  <a:pt x="1974535" y="0"/>
+                </a:cubicBezTo>
+                <a:close/>
+              </a:path>
+            </a:pathLst>
+          </a:custGeom>
+          <a:solidFill>
+            <a:schemeClr val="accent1">
+              <a:alpha val="40000"/>
+            </a:schemeClr>
+          </a:solidFill>
+          <a:ln>
+            <a:noFill/>
+          </a:ln>
+        </p:spPr>
+        <p:style>
+          <a:lnRef idx="2">
+            <a:schemeClr val="accent1">
+              <a:shade val="50000"/>
+            </a:schemeClr>
+          </a:lnRef>
+          <a:fillRef idx="1">
+            <a:schemeClr val="accent1"/>
+          </a:fillRef>
+          <a:effectRef idx="0">
+            <a:schemeClr val="accent1"/>
+          </a:effectRef>
+          <a:fontRef idx="minor">
+            <a:schemeClr val="lt1"/>
+          </a:fontRef>
+        </p:style>
+        <p:txBody>
+          <a:bodyPr rtlCol="0" anchor="ctr"/>
+          <a:lstStyle/>
+          <a:p>
+            <a:pPr marL="0" marR="0" lvl="0" indent="0" algn="ctr" defTabSz="914400" rtl="0" eaLnBrk="1" fontAlgn="auto" latinLnBrk="0" hangingPunct="1">
+              <a:lnSpc>
+                <a:spcPct val="100000"/>
+              </a:lnSpc>
+              <a:spcBef>
+                <a:spcPts val="0"/>
+              </a:spcBef>
+              <a:spcAft>
+                <a:spcPts val="0"/>
+              </a:spcAft>
+              <a:buClrTx/>
+              <a:buSzTx/>
+              <a:buFontTx/>
+              <a:buNone/>
+              <a:tabLst/>
+              <a:defRPr/>
+            </a:pPr>
+            <a:endParaRPr kumimoji="0" lang="en-US" sz="1800" b="0" i="0" u="none" strike="noStrike" kern="1200" cap="none" spc="0" normalizeH="0" baseline="0" noProof="0">
+              <a:ln>
+                <a:noFill/>
+              </a:ln>
+              <a:solidFill>
+                <a:prstClr val="white"/>
+              </a:solidFill>
+              <a:effectLst/>
+              <a:uLnTx/>
+              <a:uFillTx/>
+              <a:latin typeface="Calibri" panose="020F0502020204030204"/>
+              <a:ea typeface="+mn-ea"/>
+              <a:cs typeface="+mn-cs"/>
+            </a:endParaRPr>
+          </a:p>
+        </p:txBody>
+      </p:sp>
+      <p:cxnSp>
+        <p:nvCxnSpPr>
+          <p:cNvPr id="12" name="Straight Connector 11">
+            <a:extLst>
+              <a:ext uri="{FF2B5EF4-FFF2-40B4-BE49-F238E27FC236}">
+                <a16:creationId xmlns:a16="http://schemas.microsoft.com/office/drawing/2014/main" id="{D598FBE3-48D2-40A2-B7E6-F485834C8213}"/>
+              </a:ext>
+              <a:ext uri="{C183D7F6-B498-43B3-948B-1728B52AA6E4}">
+                <adec:decorative xmlns:adec="http://schemas.microsoft.com/office/drawing/2017/decorative" xmlns="" val="1"/>
+              </a:ext>
+            </a:extLst>
+          </p:cNvPr>
+          <p:cNvCxnSpPr>
+            <a:cxnSpLocks noGrp="1" noRot="1" noChangeAspect="1" noMove="1" noResize="1" noEditPoints="1" noAdjustHandles="1" noChangeArrowheads="1" noChangeShapeType="1"/>
+          </p:cNvCxnSpPr>
+          <p:nvPr>
+            <p:extLst>
+              <p:ext uri="{386F3935-93C4-4BCD-93E2-E3B085C9AB24}">
+                <p16:designElem xmlns:p16="http://schemas.microsoft.com/office/powerpoint/2015/main" val="1"/>
+              </p:ext>
+            </p:extLst>
+          </p:nvPr>
+        </p:nvCxnSpPr>
+        <p:spPr>
+          <a:xfrm>
+            <a:off x="1272540" y="4450080"/>
+            <a:ext cx="1234440" cy="0"/>
+          </a:xfrm>
+          <a:prstGeom prst="line">
+            <a:avLst/>
+          </a:prstGeom>
+          <a:ln w="50800">
+            <a:solidFill>
+              <a:schemeClr val="tx1">
+                <a:lumMod val="85000"/>
+                <a:lumOff val="15000"/>
+              </a:schemeClr>
+            </a:solidFill>
+          </a:ln>
+        </p:spPr>
+        <p:style>
+          <a:lnRef idx="1">
+            <a:schemeClr val="accent1"/>
+          </a:lnRef>
+          <a:fillRef idx="0">
+            <a:schemeClr val="accent1"/>
+          </a:fillRef>
+          <a:effectRef idx="0">
+            <a:schemeClr val="accent1"/>
+          </a:effectRef>
+          <a:fontRef idx="minor">
+            <a:schemeClr val="tx1"/>
+          </a:fontRef>
+        </p:style>
+      </p:cxnSp>
+      <p:sp>
+        <p:nvSpPr>
+          <p:cNvPr id="14" name="Oval 13">
+            <a:extLst>
+              <a:ext uri="{FF2B5EF4-FFF2-40B4-BE49-F238E27FC236}">
+                <a16:creationId xmlns:a16="http://schemas.microsoft.com/office/drawing/2014/main" id="{8482FDCF-45F3-40F1-8751-19B7AFB3CFCE}"/>
+              </a:ext>
+              <a:ext uri="{C183D7F6-B498-43B3-948B-1728B52AA6E4}">
+                <adec:decorative xmlns:adec="http://schemas.microsoft.com/office/drawing/2017/decorative" xmlns="" val="1"/>
+              </a:ext>
+            </a:extLst>
+          </p:cNvPr>
+          <p:cNvSpPr>
+            <a:spLocks noGrp="1" noRot="1" noChangeAspect="1" noMove="1" noResize="1" noEditPoints="1" noAdjustHandles="1" noChangeArrowheads="1" noChangeShapeType="1" noTextEdit="1"/>
+          </p:cNvSpPr>
+          <p:nvPr>
+            <p:extLst>
+              <p:ext uri="{386F3935-93C4-4BCD-93E2-E3B085C9AB24}">
+                <p16:designElem xmlns:p16="http://schemas.microsoft.com/office/powerpoint/2015/main" val="1"/>
+              </p:ext>
+            </p:extLst>
+          </p:nvPr>
+        </p:nvSpPr>
+        <p:spPr>
+          <a:xfrm>
+            <a:off x="8134348" y="1005839"/>
+            <a:ext cx="3444236" cy="3444236"/>
+          </a:xfrm>
+          <a:prstGeom prst="ellipse">
+            <a:avLst/>
+          </a:prstGeom>
+          <a:solidFill>
+            <a:schemeClr val="tx1">
+              <a:alpha val="50000"/>
+            </a:schemeClr>
+          </a:solidFill>
+          <a:ln>
+            <a:noFill/>
+          </a:ln>
+        </p:spPr>
+        <p:style>
+          <a:lnRef idx="2">
+            <a:schemeClr val="accent1">
+              <a:shade val="50000"/>
+            </a:schemeClr>
+          </a:lnRef>
+          <a:fillRef idx="1">
+            <a:schemeClr val="accent1"/>
+          </a:fillRef>
+          <a:effectRef idx="0">
+            <a:schemeClr val="accent1"/>
+          </a:effectRef>
+          <a:fontRef idx="minor">
+            <a:schemeClr val="lt1"/>
+          </a:fontRef>
+        </p:style>
+        <p:txBody>
+          <a:bodyPr rtlCol="0" anchor="ctr"/>
+          <a:lstStyle/>
+          <a:p>
+            <a:pPr marL="0" marR="0" lvl="0" indent="0" algn="ctr" defTabSz="914400" rtl="0" eaLnBrk="1" fontAlgn="auto" latinLnBrk="0" hangingPunct="1">
+              <a:lnSpc>
+                <a:spcPct val="100000"/>
+              </a:lnSpc>
+              <a:spcBef>
+                <a:spcPts val="0"/>
+              </a:spcBef>
+              <a:spcAft>
+                <a:spcPts val="0"/>
+              </a:spcAft>
+              <a:buClrTx/>
+              <a:buSzTx/>
+              <a:buFontTx/>
+              <a:buNone/>
+              <a:tabLst/>
+              <a:defRPr/>
+            </a:pPr>
+            <a:endParaRPr kumimoji="0" lang="en-US" sz="1800" b="0" i="0" u="none" strike="noStrike" kern="1200" cap="none" spc="0" normalizeH="0" baseline="0" noProof="0">
+              <a:ln>
+                <a:noFill/>
+              </a:ln>
+              <a:solidFill>
+                <a:prstClr val="white"/>
+              </a:solidFill>
+              <a:effectLst/>
+              <a:uLnTx/>
+              <a:uFillTx/>
+              <a:latin typeface="Calibri" panose="020F0502020204030204"/>
+              <a:ea typeface="+mn-ea"/>
+              <a:cs typeface="+mn-cs"/>
+            </a:endParaRPr>
+          </a:p>
+        </p:txBody>
+      </p:sp>
       <p:sp>
         <p:nvSpPr>
           <p:cNvPr id="2" name="Title 1">
@@ -8741,13 +9757,30 @@
             <p:ph type="title"/>
           </p:nvPr>
         </p:nvSpPr>
-        <p:spPr/>
-        <p:txBody>
-          <a:bodyPr/>
+        <p:spPr>
+          <a:xfrm>
+            <a:off x="1158240" y="1122363"/>
+            <a:ext cx="6339840" cy="2387600"/>
+          </a:xfrm>
+        </p:spPr>
+        <p:txBody>
+          <a:bodyPr vert="horz" lIns="91440" tIns="45720" rIns="91440" bIns="45720" rtlCol="0" anchor="b">
+            <a:normAutofit/>
+          </a:bodyPr>
           <a:lstStyle/>
           <a:p>
             <a:r>
-              <a:rPr lang="en-US" dirty="0"/>
+              <a:rPr lang="en-US" sz="6600" kern="1200">
+                <a:solidFill>
+                  <a:schemeClr val="tx1">
+                    <a:lumMod val="85000"/>
+                    <a:lumOff val="15000"/>
+                  </a:schemeClr>
+                </a:solidFill>
+                <a:latin typeface="+mj-lt"/>
+                <a:ea typeface="+mj-ea"/>
+                <a:cs typeface="+mj-cs"/>
+              </a:rPr>
               <a:t>Exit Ticket</a:t>
             </a:r>
           </a:p>
@@ -8769,30 +9802,50 @@
             <p:ph idx="1"/>
           </p:nvPr>
         </p:nvSpPr>
-        <p:spPr/>
-        <p:txBody>
-          <a:bodyPr/>
+        <p:spPr>
+          <a:xfrm>
+            <a:off x="1158240" y="4700588"/>
+            <a:ext cx="5252288" cy="1655762"/>
+          </a:xfrm>
+        </p:spPr>
+        <p:txBody>
+          <a:bodyPr vert="horz" lIns="91440" tIns="45720" rIns="91440" bIns="45720" rtlCol="0">
+            <a:normAutofit/>
+          </a:bodyPr>
           <a:lstStyle/>
           <a:p>
-            <a:r>
-              <a:rPr lang="en-US" dirty="0"/>
-              <a:t>Exit Ticket Question – One thing you learned today, </a:t>
-            </a:r>
-            <a:r>
-              <a:rPr lang="en-US" dirty="0" err="1"/>
-              <a:t>etc</a:t>
-            </a:r>
-            <a:r>
-              <a:rPr lang="en-US" dirty="0"/>
-              <a:t>…</a:t>
-            </a:r>
+            <a:pPr marL="0" indent="0">
+              <a:buNone/>
+            </a:pPr>
+            <a:r>
+              <a:rPr lang="en-US" sz="2400" dirty="0" smtClean="0">
+                <a:solidFill>
+                  <a:schemeClr val="tx1">
+                    <a:lumMod val="85000"/>
+                    <a:lumOff val="15000"/>
+                  </a:schemeClr>
+                </a:solidFill>
+              </a:rPr>
+              <a:t>What was the most confusing aspect of this lesson?</a:t>
+            </a:r>
+            <a:endParaRPr lang="en-US" sz="2400" kern="1200" dirty="0">
+              <a:solidFill>
+                <a:schemeClr val="tx1">
+                  <a:lumMod val="85000"/>
+                  <a:lumOff val="15000"/>
+                </a:schemeClr>
+              </a:solidFill>
+              <a:latin typeface="+mn-lt"/>
+              <a:ea typeface="+mn-ea"/>
+              <a:cs typeface="+mn-cs"/>
+            </a:endParaRPr>
           </a:p>
         </p:txBody>
       </p:sp>
     </p:spTree>
     <p:extLst>
       <p:ext uri="{BB962C8B-B14F-4D97-AF65-F5344CB8AC3E}">
-        <p14:creationId xmlns:p14="http://schemas.microsoft.com/office/powerpoint/2010/main" val="2421930778"/>
+        <p14:creationId xmlns:p14="http://schemas.microsoft.com/office/powerpoint/2010/main" val="3425093368"/>
       </p:ext>
     </p:extLst>
   </p:cSld>
@@ -8802,7 +9855,7 @@
 </p:sld>
 </file>
 
-<file path=ppt/slides/slide14.xml><?xml version="1.0" encoding="utf-8"?>
+<file path=ppt/slides/slide16.xml><?xml version="1.0" encoding="utf-8"?>
 <p:sld xmlns:a="http://schemas.openxmlformats.org/drawingml/2006/main" xmlns:r="http://schemas.openxmlformats.org/officeDocument/2006/relationships" xmlns:p="http://schemas.openxmlformats.org/presentationml/2006/main">
   <p:cSld>
     <p:bg>
@@ -8848,7 +9901,7 @@
                 <a14:useLocalDpi xmlns:a14="http://schemas.microsoft.com/office/drawing/2010/main" val="0"/>
               </a:ext>
               <a:ext uri="{96DAC541-7B7A-43D3-8B79-37D633B846F1}">
-                <asvg:svgBlip xmlns:asvg="http://schemas.microsoft.com/office/drawing/2016/SVG/main" r:embed="rId3"/>
+                <asvg:svgBlip xmlns="" xmlns:asvg="http://schemas.microsoft.com/office/drawing/2016/SVG/main" r:embed="rId3"/>
               </a:ext>
             </a:extLst>
           </a:blip>
@@ -8874,7 +9927,7 @@
                 <a16:creationId xmlns:a16="http://schemas.microsoft.com/office/drawing/2014/main" id="{1A882A9F-F4E9-4E23-8F0B-20B5DF42EAA9}"/>
               </a:ext>
               <a:ext uri="{C183D7F6-B498-43B3-948B-1728B52AA6E4}">
-                <adec:decorative xmlns:adec="http://schemas.microsoft.com/office/drawing/2017/decorative" val="1"/>
+                <adec:decorative xmlns="" xmlns:adec="http://schemas.microsoft.com/office/drawing/2017/decorative" val="1"/>
               </a:ext>
             </a:extLst>
           </p:cNvPr>
@@ -8968,7 +10021,7 @@
                 <a16:creationId xmlns:a16="http://schemas.microsoft.com/office/drawing/2014/main" id="{FBE9F90C-C163-435B-9A68-D15C92D1CF2B}"/>
               </a:ext>
               <a:ext uri="{C183D7F6-B498-43B3-948B-1728B52AA6E4}">
-                <adec:decorative xmlns:adec="http://schemas.microsoft.com/office/drawing/2017/decorative" val="1"/>
+                <adec:decorative xmlns="" xmlns:adec="http://schemas.microsoft.com/office/drawing/2017/decorative" val="1"/>
               </a:ext>
             </a:extLst>
           </p:cNvPr>
@@ -9062,7 +10115,7 @@
                 <a16:creationId xmlns:a16="http://schemas.microsoft.com/office/drawing/2014/main" id="{CDA1A2E9-63FE-408D-A803-8E306ECAB4B3}"/>
               </a:ext>
               <a:ext uri="{C183D7F6-B498-43B3-948B-1728B52AA6E4}">
-                <adec:decorative xmlns:adec="http://schemas.microsoft.com/office/drawing/2017/decorative" val="1"/>
+                <adec:decorative xmlns="" xmlns:adec="http://schemas.microsoft.com/office/drawing/2017/decorative" val="1"/>
               </a:ext>
             </a:extLst>
           </p:cNvPr>
@@ -9288,7 +10341,7 @@
                 <a14:useLocalDpi xmlns:a14="http://schemas.microsoft.com/office/drawing/2010/main" val="0"/>
               </a:ext>
               <a:ext uri="{96DAC541-7B7A-43D3-8B79-37D633B846F1}">
-                <asvg:svgBlip xmlns:asvg="http://schemas.microsoft.com/office/drawing/2016/SVG/main" r:embed="rId3"/>
+                <asvg:svgBlip xmlns="" xmlns:asvg="http://schemas.microsoft.com/office/drawing/2016/SVG/main" r:embed="rId3"/>
               </a:ext>
             </a:extLst>
           </a:blip>
@@ -9383,33 +10436,24 @@
           <a:p>
             <a:pPr lvl="1"/>
             <a:r>
-              <a:rPr lang="en-US" dirty="0"/>
-              <a:t>Something???</a:t>
-            </a:r>
-          </a:p>
-          <a:p>
-            <a:r>
-              <a:rPr lang="en-US" dirty="0"/>
-              <a:t>Activity</a:t>
-            </a:r>
-          </a:p>
-          <a:p>
-            <a:r>
-              <a:rPr lang="en-US" dirty="0"/>
-              <a:t>Summary</a:t>
-            </a:r>
-          </a:p>
-          <a:p>
-            <a:r>
-              <a:rPr lang="en-US" dirty="0"/>
-              <a:t>Homework</a:t>
-            </a:r>
-          </a:p>
-          <a:p>
-            <a:r>
-              <a:rPr lang="en-US" dirty="0"/>
-              <a:t>Question</a:t>
-            </a:r>
+              <a:rPr lang="en-US" dirty="0" smtClean="0"/>
+              <a:t>Virtualization</a:t>
+            </a:r>
+          </a:p>
+          <a:p>
+            <a:pPr lvl="1"/>
+            <a:r>
+              <a:rPr lang="en-US" dirty="0" smtClean="0"/>
+              <a:t>Containerization</a:t>
+            </a:r>
+            <a:endParaRPr lang="en-US" dirty="0"/>
+          </a:p>
+          <a:p>
+            <a:r>
+              <a:rPr lang="en-US" dirty="0" smtClean="0"/>
+              <a:t>Wrap-Up</a:t>
+            </a:r>
+            <a:endParaRPr lang="en-US" dirty="0"/>
           </a:p>
         </p:txBody>
       </p:sp>
@@ -9459,7 +10503,7 @@
                 <a16:creationId xmlns:a16="http://schemas.microsoft.com/office/drawing/2014/main" id="{F98ED85F-DCEE-4B50-802E-71A6E3E12B04}"/>
               </a:ext>
               <a:ext uri="{C183D7F6-B498-43B3-948B-1728B52AA6E4}">
-                <adec:decorative xmlns:adec="http://schemas.microsoft.com/office/drawing/2017/decorative" val="1"/>
+                <adec:decorative xmlns="" xmlns:adec="http://schemas.microsoft.com/office/drawing/2017/decorative" val="1"/>
               </a:ext>
             </a:extLst>
           </p:cNvPr>
@@ -9601,7 +10645,11 @@
             </a:pPr>
             <a:r>
               <a:rPr lang="en-US" dirty="0"/>
-              <a:t>How does Virtualization differ from Containerization?</a:t>
+              <a:t>How does Virtualization differ from Containerization</a:t>
+            </a:r>
+            <a:r>
+              <a:rPr lang="en-US" dirty="0" smtClean="0"/>
+              <a:t>?</a:t>
             </a:r>
           </a:p>
           <a:p>
@@ -9610,9 +10658,10 @@
               <a:buAutoNum type="arabicPeriod"/>
             </a:pPr>
             <a:r>
-              <a:rPr lang="en-US" dirty="0"/>
-              <a:t>Explain the Pets vs Cattle analogy for computers?</a:t>
-            </a:r>
+              <a:rPr lang="en-US" dirty="0" smtClean="0"/>
+              <a:t>What is an image how is it different from a container?</a:t>
+            </a:r>
+            <a:endParaRPr lang="en-US" dirty="0"/>
           </a:p>
           <a:p>
             <a:pPr marL="514350" lvl="0" indent="-514350">
@@ -9620,8 +10669,12 @@
               <a:buAutoNum type="arabicPeriod"/>
             </a:pPr>
             <a:r>
+              <a:rPr lang="en-US" dirty="0" smtClean="0"/>
+              <a:t>What </a:t>
+            </a:r>
+            <a:r>
               <a:rPr lang="en-US" dirty="0"/>
-              <a:t>What is state? What is irreproducible state?</a:t>
+              <a:t>is state? What is irreproducible state?</a:t>
             </a:r>
           </a:p>
           <a:p>
@@ -9632,16 +10685,6 @@
             <a:r>
               <a:rPr lang="en-US" dirty="0"/>
               <a:t>What is Infrastructure as Code?</a:t>
-            </a:r>
-          </a:p>
-          <a:p>
-            <a:pPr marL="514350" indent="-514350">
-              <a:buFont typeface="+mj-lt"/>
-              <a:buAutoNum type="arabicPeriod"/>
-            </a:pPr>
-            <a:r>
-              <a:rPr lang="en-US" dirty="0"/>
-              <a:t>How does Infrastructure as code help us to treat our computers like cattle?</a:t>
             </a:r>
           </a:p>
           <a:p>
@@ -9669,6 +10712,16 @@
 <file path=ppt/slides/slide4.xml><?xml version="1.0" encoding="utf-8"?>
 <p:sld xmlns:a="http://schemas.openxmlformats.org/drawingml/2006/main" xmlns:r="http://schemas.openxmlformats.org/officeDocument/2006/relationships" xmlns:p="http://schemas.openxmlformats.org/presentationml/2006/main">
   <p:cSld>
+    <p:bg>
+      <p:bgPr>
+        <a:solidFill>
+          <a:schemeClr val="tx2">
+            <a:lumMod val="25000"/>
+          </a:schemeClr>
+        </a:solidFill>
+        <a:effectLst/>
+      </p:bgPr>
+    </p:bg>
     <p:spTree>
       <p:nvGrpSpPr>
         <p:cNvPr id="1" name=""/>
@@ -9685,86 +10738,86 @@
       </p:grpSpPr>
       <p:sp>
         <p:nvSpPr>
-          <p:cNvPr id="2" name="Title 1">
-            <a:extLst>
-              <a:ext uri="{FF2B5EF4-FFF2-40B4-BE49-F238E27FC236}">
-                <a16:creationId xmlns:a16="http://schemas.microsoft.com/office/drawing/2014/main" id="{C062EA12-E0C2-4DC6-B310-19B09D0A661A}"/>
-              </a:ext>
-            </a:extLst>
-          </p:cNvPr>
+          <p:cNvPr id="2" name="Title 1"/>
           <p:cNvSpPr>
             <a:spLocks noGrp="1"/>
           </p:cNvSpPr>
           <p:nvPr>
-            <p:ph type="title"/>
+            <p:ph type="ctrTitle"/>
           </p:nvPr>
         </p:nvSpPr>
         <p:spPr/>
         <p:txBody>
-          <a:bodyPr/>
+          <a:bodyPr>
+            <a:normAutofit/>
+          </a:bodyPr>
           <a:lstStyle/>
           <a:p>
             <a:r>
-              <a:rPr lang="en-US" dirty="0"/>
-              <a:t>Course Content</a:t>
-            </a:r>
-          </a:p>
-        </p:txBody>
-      </p:sp>
-      <p:sp>
-        <p:nvSpPr>
-          <p:cNvPr id="3" name="Content Placeholder 2">
-            <a:extLst>
-              <a:ext uri="{FF2B5EF4-FFF2-40B4-BE49-F238E27FC236}">
-                <a16:creationId xmlns:a16="http://schemas.microsoft.com/office/drawing/2014/main" id="{D89330D7-9CFB-40C8-8930-A8E019340CED}"/>
-              </a:ext>
-            </a:extLst>
-          </p:cNvPr>
+              <a:rPr lang="en-US" sz="7200" dirty="0" smtClean="0"/>
+              <a:t>Lab Debrief</a:t>
+            </a:r>
+            <a:endParaRPr lang="en-US" sz="7200" dirty="0"/>
+          </a:p>
+        </p:txBody>
+      </p:sp>
+      <p:sp>
+        <p:nvSpPr>
+          <p:cNvPr id="5" name="Subtitle 4"/>
           <p:cNvSpPr>
             <a:spLocks noGrp="1"/>
           </p:cNvSpPr>
           <p:nvPr>
-            <p:ph idx="1"/>
+            <p:ph type="subTitle" idx="1"/>
           </p:nvPr>
         </p:nvSpPr>
         <p:spPr/>
         <p:txBody>
-          <a:bodyPr/>
+          <a:bodyPr>
+            <a:normAutofit/>
+          </a:bodyPr>
           <a:lstStyle/>
           <a:p>
             <a:r>
-              <a:rPr lang="en-US" dirty="0" err="1"/>
-              <a:t>Dfhkalsjdf</a:t>
-            </a:r>
-            <a:endParaRPr lang="en-US" dirty="0"/>
-          </a:p>
-          <a:p>
-            <a:r>
-              <a:rPr lang="en-US" dirty="0" err="1"/>
-              <a:t>Asdf</a:t>
-            </a:r>
-            <a:endParaRPr lang="en-US" dirty="0"/>
-          </a:p>
-          <a:p>
-            <a:r>
-              <a:rPr lang="en-US" dirty="0" err="1"/>
-              <a:t>Fasdhfsad</a:t>
-            </a:r>
-            <a:endParaRPr lang="en-US" dirty="0"/>
-          </a:p>
-          <a:p>
-            <a:r>
-              <a:rPr lang="en-US" dirty="0" err="1"/>
-              <a:t>sadf</a:t>
-            </a:r>
-            <a:endParaRPr lang="en-US" dirty="0"/>
-          </a:p>
-        </p:txBody>
-      </p:sp>
+              <a:rPr lang="en-US" sz="3600" dirty="0" smtClean="0"/>
+              <a:t>Lab – </a:t>
+            </a:r>
+            <a:r>
+              <a:rPr lang="en-US" sz="3600" dirty="0" smtClean="0"/>
+              <a:t>D </a:t>
+            </a:r>
+            <a:endParaRPr lang="en-US" sz="3600" dirty="0"/>
+          </a:p>
+        </p:txBody>
+      </p:sp>
+      <p:pic>
+        <p:nvPicPr>
+          <p:cNvPr id="4" name="Picture 3"/>
+          <p:cNvPicPr>
+            <a:picLocks noChangeAspect="1"/>
+          </p:cNvPicPr>
+          <p:nvPr/>
+        </p:nvPicPr>
+        <p:blipFill>
+          <a:blip r:embed="rId3"/>
+          <a:stretch>
+            <a:fillRect/>
+          </a:stretch>
+        </p:blipFill>
+        <p:spPr>
+          <a:xfrm>
+            <a:off x="5232015" y="4429919"/>
+            <a:ext cx="1727969" cy="1382375"/>
+          </a:xfrm>
+          <a:prstGeom prst="rect">
+            <a:avLst/>
+          </a:prstGeom>
+        </p:spPr>
+      </p:pic>
     </p:spTree>
     <p:extLst>
       <p:ext uri="{BB962C8B-B14F-4D97-AF65-F5344CB8AC3E}">
-        <p14:creationId xmlns:p14="http://schemas.microsoft.com/office/powerpoint/2010/main" val="4059980719"/>
+        <p14:creationId xmlns:p14="http://schemas.microsoft.com/office/powerpoint/2010/main" val="3580928965"/>
       </p:ext>
     </p:extLst>
   </p:cSld>
@@ -11171,16 +12224,1695 @@
           <a:chExt cx="0" cy="0"/>
         </a:xfrm>
       </p:grpSpPr>
+      <p:sp>
+        <p:nvSpPr>
+          <p:cNvPr id="2" name="Title 1"/>
+          <p:cNvSpPr>
+            <a:spLocks noGrp="1"/>
+          </p:cNvSpPr>
+          <p:nvPr>
+            <p:ph type="title"/>
+          </p:nvPr>
+        </p:nvSpPr>
+        <p:spPr/>
+        <p:txBody>
+          <a:bodyPr/>
+          <a:lstStyle/>
+          <a:p>
+            <a:r>
+              <a:rPr lang="en-US" dirty="0" smtClean="0"/>
+              <a:t>Virtualization and Containerization</a:t>
+            </a:r>
+            <a:endParaRPr lang="en-US" dirty="0"/>
+          </a:p>
+        </p:txBody>
+      </p:sp>
+      <p:sp>
+        <p:nvSpPr>
+          <p:cNvPr id="15" name="Text Placeholder 14"/>
+          <p:cNvSpPr>
+            <a:spLocks noGrp="1"/>
+          </p:cNvSpPr>
+          <p:nvPr>
+            <p:ph type="body" idx="1"/>
+          </p:nvPr>
+        </p:nvSpPr>
+        <p:spPr/>
+        <p:txBody>
+          <a:bodyPr/>
+          <a:lstStyle/>
+          <a:p>
+            <a:r>
+              <a:rPr lang="en-US" dirty="0" smtClean="0"/>
+              <a:t>Virtualization</a:t>
+            </a:r>
+            <a:endParaRPr lang="en-US" dirty="0"/>
+          </a:p>
+        </p:txBody>
+      </p:sp>
+      <p:sp>
+        <p:nvSpPr>
+          <p:cNvPr id="16" name="Content Placeholder 15"/>
+          <p:cNvSpPr>
+            <a:spLocks noGrp="1"/>
+          </p:cNvSpPr>
+          <p:nvPr>
+            <p:ph sz="half" idx="2"/>
+          </p:nvPr>
+        </p:nvSpPr>
+        <p:spPr/>
+        <p:txBody>
+          <a:bodyPr/>
+          <a:lstStyle/>
+          <a:p>
+            <a:endParaRPr lang="en-US"/>
+          </a:p>
+        </p:txBody>
+      </p:sp>
+      <p:sp>
+        <p:nvSpPr>
+          <p:cNvPr id="17" name="Text Placeholder 16"/>
+          <p:cNvSpPr>
+            <a:spLocks noGrp="1"/>
+          </p:cNvSpPr>
+          <p:nvPr>
+            <p:ph type="body" sz="quarter" idx="3"/>
+          </p:nvPr>
+        </p:nvSpPr>
+        <p:spPr/>
+        <p:txBody>
+          <a:bodyPr/>
+          <a:lstStyle/>
+          <a:p>
+            <a:r>
+              <a:rPr lang="en-US" dirty="0" smtClean="0"/>
+              <a:t>Containerization</a:t>
+            </a:r>
+            <a:endParaRPr lang="en-US" dirty="0"/>
+          </a:p>
+        </p:txBody>
+      </p:sp>
+      <p:sp>
+        <p:nvSpPr>
+          <p:cNvPr id="18" name="Content Placeholder 17"/>
+          <p:cNvSpPr>
+            <a:spLocks noGrp="1"/>
+          </p:cNvSpPr>
+          <p:nvPr>
+            <p:ph sz="quarter" idx="4"/>
+          </p:nvPr>
+        </p:nvSpPr>
+        <p:spPr/>
+        <p:txBody>
+          <a:bodyPr/>
+          <a:lstStyle/>
+          <a:p>
+            <a:endParaRPr lang="en-US"/>
+          </a:p>
+        </p:txBody>
+      </p:sp>
+      <p:sp>
+        <p:nvSpPr>
+          <p:cNvPr id="4" name="Rectangle 3">
+            <a:extLst>
+              <a:ext uri="{FF2B5EF4-FFF2-40B4-BE49-F238E27FC236}">
+                <a16:creationId xmlns:a16="http://schemas.microsoft.com/office/drawing/2014/main" id="{1781908B-77F0-4DA8-9485-F1DE6AB15603}"/>
+              </a:ext>
+            </a:extLst>
+          </p:cNvPr>
+          <p:cNvSpPr/>
+          <p:nvPr/>
+        </p:nvSpPr>
+        <p:spPr>
+          <a:xfrm>
+            <a:off x="930362" y="3057496"/>
+            <a:ext cx="1468231" cy="523932"/>
+          </a:xfrm>
+          <a:prstGeom prst="rect">
+            <a:avLst/>
+          </a:prstGeom>
+        </p:spPr>
+        <p:style>
+          <a:lnRef idx="2">
+            <a:schemeClr val="accent1">
+              <a:shade val="50000"/>
+            </a:schemeClr>
+          </a:lnRef>
+          <a:fillRef idx="1">
+            <a:schemeClr val="accent1"/>
+          </a:fillRef>
+          <a:effectRef idx="0">
+            <a:schemeClr val="accent1"/>
+          </a:effectRef>
+          <a:fontRef idx="minor">
+            <a:schemeClr val="lt1"/>
+          </a:fontRef>
+        </p:style>
+        <p:txBody>
+          <a:bodyPr rtlCol="0" anchor="ctr"/>
+          <a:lstStyle/>
+          <a:p>
+            <a:pPr algn="ctr"/>
+            <a:r>
+              <a:rPr lang="en-US" sz="1600" dirty="0"/>
+              <a:t>Web</a:t>
+            </a:r>
+            <a:br>
+              <a:rPr lang="en-US" sz="1600" dirty="0"/>
+            </a:br>
+            <a:r>
+              <a:rPr lang="en-US" sz="1600" dirty="0"/>
+              <a:t>Server</a:t>
+            </a:r>
+          </a:p>
+        </p:txBody>
+      </p:sp>
+      <p:sp>
+        <p:nvSpPr>
+          <p:cNvPr id="5" name="Rectangle 4">
+            <a:extLst>
+              <a:ext uri="{FF2B5EF4-FFF2-40B4-BE49-F238E27FC236}">
+                <a16:creationId xmlns:a16="http://schemas.microsoft.com/office/drawing/2014/main" id="{7CFD5206-6147-41CD-85CC-310DE9955B54}"/>
+              </a:ext>
+            </a:extLst>
+          </p:cNvPr>
+          <p:cNvSpPr/>
+          <p:nvPr/>
+        </p:nvSpPr>
+        <p:spPr>
+          <a:xfrm>
+            <a:off x="919212" y="3647890"/>
+            <a:ext cx="1468232" cy="523932"/>
+          </a:xfrm>
+          <a:prstGeom prst="rect">
+            <a:avLst/>
+          </a:prstGeom>
+        </p:spPr>
+        <p:style>
+          <a:lnRef idx="2">
+            <a:schemeClr val="accent2">
+              <a:shade val="50000"/>
+            </a:schemeClr>
+          </a:lnRef>
+          <a:fillRef idx="1">
+            <a:schemeClr val="accent2"/>
+          </a:fillRef>
+          <a:effectRef idx="0">
+            <a:schemeClr val="accent2"/>
+          </a:effectRef>
+          <a:fontRef idx="minor">
+            <a:schemeClr val="lt1"/>
+          </a:fontRef>
+        </p:style>
+        <p:txBody>
+          <a:bodyPr rtlCol="0" anchor="ctr"/>
+          <a:lstStyle/>
+          <a:p>
+            <a:pPr algn="ctr"/>
+            <a:r>
+              <a:rPr lang="en-US" sz="2000" dirty="0"/>
+              <a:t>Web App</a:t>
+            </a:r>
+            <a:endParaRPr lang="en-US" sz="1600" dirty="0"/>
+          </a:p>
+        </p:txBody>
+      </p:sp>
+      <p:sp>
+        <p:nvSpPr>
+          <p:cNvPr id="6" name="Rectangle 5">
+            <a:extLst>
+              <a:ext uri="{FF2B5EF4-FFF2-40B4-BE49-F238E27FC236}">
+                <a16:creationId xmlns:a16="http://schemas.microsoft.com/office/drawing/2014/main" id="{60925848-910F-4CFD-AC4D-706ABAA1600A}"/>
+              </a:ext>
+            </a:extLst>
+          </p:cNvPr>
+          <p:cNvSpPr/>
+          <p:nvPr/>
+        </p:nvSpPr>
+        <p:spPr>
+          <a:xfrm>
+            <a:off x="930363" y="4306375"/>
+            <a:ext cx="1457081" cy="516754"/>
+          </a:xfrm>
+          <a:prstGeom prst="rect">
+            <a:avLst/>
+          </a:prstGeom>
+        </p:spPr>
+        <p:style>
+          <a:lnRef idx="2">
+            <a:schemeClr val="accent6">
+              <a:shade val="50000"/>
+            </a:schemeClr>
+          </a:lnRef>
+          <a:fillRef idx="1">
+            <a:schemeClr val="accent6"/>
+          </a:fillRef>
+          <a:effectRef idx="0">
+            <a:schemeClr val="accent6"/>
+          </a:effectRef>
+          <a:fontRef idx="minor">
+            <a:schemeClr val="lt1"/>
+          </a:fontRef>
+        </p:style>
+        <p:txBody>
+          <a:bodyPr rtlCol="0" anchor="ctr"/>
+          <a:lstStyle/>
+          <a:p>
+            <a:pPr algn="ctr"/>
+            <a:r>
+              <a:rPr lang="en-US" sz="2000" dirty="0"/>
+              <a:t>Linux (OS)</a:t>
+            </a:r>
+          </a:p>
+        </p:txBody>
+      </p:sp>
+      <p:sp>
+        <p:nvSpPr>
+          <p:cNvPr id="7" name="Rectangle 6">
+            <a:extLst>
+              <a:ext uri="{FF2B5EF4-FFF2-40B4-BE49-F238E27FC236}">
+                <a16:creationId xmlns:a16="http://schemas.microsoft.com/office/drawing/2014/main" id="{4E42AA28-D65D-4C8F-9285-8604107FAB7D}"/>
+              </a:ext>
+            </a:extLst>
+          </p:cNvPr>
+          <p:cNvSpPr/>
+          <p:nvPr/>
+        </p:nvSpPr>
+        <p:spPr>
+          <a:xfrm>
+            <a:off x="937531" y="4917230"/>
+            <a:ext cx="4379913" cy="436760"/>
+          </a:xfrm>
+          <a:prstGeom prst="rect">
+            <a:avLst/>
+          </a:prstGeom>
+          <a:gradFill flip="none" rotWithShape="1">
+            <a:gsLst>
+              <a:gs pos="0">
+                <a:schemeClr val="accent6">
+                  <a:lumMod val="67000"/>
+                </a:schemeClr>
+              </a:gs>
+              <a:gs pos="48000">
+                <a:schemeClr val="accent6">
+                  <a:lumMod val="97000"/>
+                  <a:lumOff val="3000"/>
+                </a:schemeClr>
+              </a:gs>
+              <a:gs pos="100000">
+                <a:schemeClr val="accent6">
+                  <a:lumMod val="60000"/>
+                  <a:lumOff val="40000"/>
+                </a:schemeClr>
+              </a:gs>
+            </a:gsLst>
+            <a:lin ang="16200000" scaled="1"/>
+            <a:tileRect/>
+          </a:gradFill>
+          <a:ln>
+            <a:noFill/>
+          </a:ln>
+        </p:spPr>
+        <p:style>
+          <a:lnRef idx="0">
+            <a:scrgbClr r="0" g="0" b="0"/>
+          </a:lnRef>
+          <a:fillRef idx="0">
+            <a:scrgbClr r="0" g="0" b="0"/>
+          </a:fillRef>
+          <a:effectRef idx="0">
+            <a:scrgbClr r="0" g="0" b="0"/>
+          </a:effectRef>
+          <a:fontRef idx="minor">
+            <a:schemeClr val="lt1"/>
+          </a:fontRef>
+        </p:style>
+        <p:txBody>
+          <a:bodyPr rtlCol="0" anchor="ctr"/>
+          <a:lstStyle/>
+          <a:p>
+            <a:pPr algn="ctr"/>
+            <a:r>
+              <a:rPr lang="en-US" sz="2000" dirty="0"/>
+              <a:t>VMWare ESX (Hypervisor)</a:t>
+            </a:r>
+          </a:p>
+        </p:txBody>
+      </p:sp>
+      <p:sp>
+        <p:nvSpPr>
+          <p:cNvPr id="8" name="Rectangle 7">
+            <a:extLst>
+              <a:ext uri="{FF2B5EF4-FFF2-40B4-BE49-F238E27FC236}">
+                <a16:creationId xmlns:a16="http://schemas.microsoft.com/office/drawing/2014/main" id="{46CD7387-B862-4E0E-93C4-40C324807ACF}"/>
+              </a:ext>
+            </a:extLst>
+          </p:cNvPr>
+          <p:cNvSpPr/>
+          <p:nvPr/>
+        </p:nvSpPr>
+        <p:spPr>
+          <a:xfrm>
+            <a:off x="937530" y="5426524"/>
+            <a:ext cx="4379914" cy="436760"/>
+          </a:xfrm>
+          <a:prstGeom prst="rect">
+            <a:avLst/>
+          </a:prstGeom>
+        </p:spPr>
+        <p:style>
+          <a:lnRef idx="2">
+            <a:schemeClr val="accent3">
+              <a:shade val="50000"/>
+            </a:schemeClr>
+          </a:lnRef>
+          <a:fillRef idx="1">
+            <a:schemeClr val="accent3"/>
+          </a:fillRef>
+          <a:effectRef idx="0">
+            <a:schemeClr val="accent3"/>
+          </a:effectRef>
+          <a:fontRef idx="minor">
+            <a:schemeClr val="lt1"/>
+          </a:fontRef>
+        </p:style>
+        <p:txBody>
+          <a:bodyPr rtlCol="0" anchor="ctr"/>
+          <a:lstStyle/>
+          <a:p>
+            <a:pPr algn="ctr"/>
+            <a:r>
+              <a:rPr lang="en-US" sz="2000" dirty="0"/>
+              <a:t>Dell PowerEdge (Hardware)</a:t>
+            </a:r>
+          </a:p>
+        </p:txBody>
+      </p:sp>
+      <p:sp>
+        <p:nvSpPr>
+          <p:cNvPr id="9" name="Rectangle 8">
+            <a:extLst>
+              <a:ext uri="{FF2B5EF4-FFF2-40B4-BE49-F238E27FC236}">
+                <a16:creationId xmlns:a16="http://schemas.microsoft.com/office/drawing/2014/main" id="{5E82C590-DDFF-4C54-B7BF-398623D07DD6}"/>
+              </a:ext>
+            </a:extLst>
+          </p:cNvPr>
+          <p:cNvSpPr/>
+          <p:nvPr/>
+        </p:nvSpPr>
+        <p:spPr>
+          <a:xfrm>
+            <a:off x="3920602" y="4327942"/>
+            <a:ext cx="1396842" cy="516754"/>
+          </a:xfrm>
+          <a:prstGeom prst="rect">
+            <a:avLst/>
+          </a:prstGeom>
+        </p:spPr>
+        <p:style>
+          <a:lnRef idx="2">
+            <a:schemeClr val="accent6">
+              <a:shade val="50000"/>
+            </a:schemeClr>
+          </a:lnRef>
+          <a:fillRef idx="1">
+            <a:schemeClr val="accent6"/>
+          </a:fillRef>
+          <a:effectRef idx="0">
+            <a:schemeClr val="accent6"/>
+          </a:effectRef>
+          <a:fontRef idx="minor">
+            <a:schemeClr val="lt1"/>
+          </a:fontRef>
+        </p:style>
+        <p:txBody>
+          <a:bodyPr rtlCol="0" anchor="ctr"/>
+          <a:lstStyle/>
+          <a:p>
+            <a:pPr algn="ctr"/>
+            <a:r>
+              <a:rPr lang="en-US" sz="2000" dirty="0"/>
+              <a:t>Linux (OS)</a:t>
+            </a:r>
+          </a:p>
+        </p:txBody>
+      </p:sp>
+      <p:sp>
+        <p:nvSpPr>
+          <p:cNvPr id="10" name="Rectangle 9">
+            <a:extLst>
+              <a:ext uri="{FF2B5EF4-FFF2-40B4-BE49-F238E27FC236}">
+                <a16:creationId xmlns:a16="http://schemas.microsoft.com/office/drawing/2014/main" id="{5EFDF07D-9327-4DEF-AE3D-76770503D361}"/>
+              </a:ext>
+            </a:extLst>
+          </p:cNvPr>
+          <p:cNvSpPr/>
+          <p:nvPr/>
+        </p:nvSpPr>
+        <p:spPr>
+          <a:xfrm>
+            <a:off x="2455602" y="4320304"/>
+            <a:ext cx="1396842" cy="516754"/>
+          </a:xfrm>
+          <a:prstGeom prst="rect">
+            <a:avLst/>
+          </a:prstGeom>
+        </p:spPr>
+        <p:style>
+          <a:lnRef idx="2">
+            <a:schemeClr val="accent6">
+              <a:shade val="50000"/>
+            </a:schemeClr>
+          </a:lnRef>
+          <a:fillRef idx="1">
+            <a:schemeClr val="accent6"/>
+          </a:fillRef>
+          <a:effectRef idx="0">
+            <a:schemeClr val="accent6"/>
+          </a:effectRef>
+          <a:fontRef idx="minor">
+            <a:schemeClr val="lt1"/>
+          </a:fontRef>
+        </p:style>
+        <p:txBody>
+          <a:bodyPr rtlCol="0" anchor="ctr"/>
+          <a:lstStyle/>
+          <a:p>
+            <a:pPr algn="ctr"/>
+            <a:r>
+              <a:rPr lang="en-US" sz="2000" dirty="0"/>
+              <a:t>Linux (OS)</a:t>
+            </a:r>
+          </a:p>
+        </p:txBody>
+      </p:sp>
+      <p:sp>
+        <p:nvSpPr>
+          <p:cNvPr id="11" name="Rectangle 10">
+            <a:extLst>
+              <a:ext uri="{FF2B5EF4-FFF2-40B4-BE49-F238E27FC236}">
+                <a16:creationId xmlns:a16="http://schemas.microsoft.com/office/drawing/2014/main" id="{6FE72299-02DD-440A-BA28-9D05BE9C1035}"/>
+              </a:ext>
+            </a:extLst>
+          </p:cNvPr>
+          <p:cNvSpPr/>
+          <p:nvPr/>
+        </p:nvSpPr>
+        <p:spPr>
+          <a:xfrm>
+            <a:off x="2455602" y="3647890"/>
+            <a:ext cx="1393608" cy="523932"/>
+          </a:xfrm>
+          <a:prstGeom prst="rect">
+            <a:avLst/>
+          </a:prstGeom>
+        </p:spPr>
+        <p:style>
+          <a:lnRef idx="2">
+            <a:schemeClr val="accent2">
+              <a:shade val="50000"/>
+            </a:schemeClr>
+          </a:lnRef>
+          <a:fillRef idx="1">
+            <a:schemeClr val="accent2"/>
+          </a:fillRef>
+          <a:effectRef idx="0">
+            <a:schemeClr val="accent2"/>
+          </a:effectRef>
+          <a:fontRef idx="minor">
+            <a:schemeClr val="lt1"/>
+          </a:fontRef>
+        </p:style>
+        <p:txBody>
+          <a:bodyPr rtlCol="0" anchor="ctr"/>
+          <a:lstStyle/>
+          <a:p>
+            <a:pPr algn="ctr"/>
+            <a:r>
+              <a:rPr lang="en-US" sz="2000" dirty="0"/>
+              <a:t>DNS</a:t>
+            </a:r>
+            <a:endParaRPr lang="en-US" sz="1600" dirty="0"/>
+          </a:p>
+        </p:txBody>
+      </p:sp>
+      <p:sp>
+        <p:nvSpPr>
+          <p:cNvPr id="12" name="Rectangle 11">
+            <a:extLst>
+              <a:ext uri="{FF2B5EF4-FFF2-40B4-BE49-F238E27FC236}">
+                <a16:creationId xmlns:a16="http://schemas.microsoft.com/office/drawing/2014/main" id="{E1CE62E0-5F9C-400C-AF8B-E20F405D6E18}"/>
+              </a:ext>
+            </a:extLst>
+          </p:cNvPr>
+          <p:cNvSpPr/>
+          <p:nvPr/>
+        </p:nvSpPr>
+        <p:spPr>
+          <a:xfrm>
+            <a:off x="3917368" y="3647890"/>
+            <a:ext cx="1400075" cy="523932"/>
+          </a:xfrm>
+          <a:prstGeom prst="rect">
+            <a:avLst/>
+          </a:prstGeom>
+        </p:spPr>
+        <p:style>
+          <a:lnRef idx="2">
+            <a:schemeClr val="accent2">
+              <a:shade val="50000"/>
+            </a:schemeClr>
+          </a:lnRef>
+          <a:fillRef idx="1">
+            <a:schemeClr val="accent2"/>
+          </a:fillRef>
+          <a:effectRef idx="0">
+            <a:schemeClr val="accent2"/>
+          </a:effectRef>
+          <a:fontRef idx="minor">
+            <a:schemeClr val="lt1"/>
+          </a:fontRef>
+        </p:style>
+        <p:txBody>
+          <a:bodyPr rtlCol="0" anchor="ctr"/>
+          <a:lstStyle/>
+          <a:p>
+            <a:pPr algn="ctr"/>
+            <a:r>
+              <a:rPr lang="en-US" sz="2000" dirty="0"/>
+              <a:t>Database</a:t>
+            </a:r>
+            <a:endParaRPr lang="en-US" sz="1600" dirty="0"/>
+          </a:p>
+        </p:txBody>
+      </p:sp>
+      <p:sp>
+        <p:nvSpPr>
+          <p:cNvPr id="13" name="Rectangle 12">
+            <a:extLst>
+              <a:ext uri="{FF2B5EF4-FFF2-40B4-BE49-F238E27FC236}">
+                <a16:creationId xmlns:a16="http://schemas.microsoft.com/office/drawing/2014/main" id="{6E72CDA3-7F22-401E-A361-6216285B1B5B}"/>
+              </a:ext>
+            </a:extLst>
+          </p:cNvPr>
+          <p:cNvSpPr/>
+          <p:nvPr/>
+        </p:nvSpPr>
+        <p:spPr>
+          <a:xfrm>
+            <a:off x="3923835" y="3050109"/>
+            <a:ext cx="1393608" cy="523932"/>
+          </a:xfrm>
+          <a:prstGeom prst="rect">
+            <a:avLst/>
+          </a:prstGeom>
+        </p:spPr>
+        <p:style>
+          <a:lnRef idx="2">
+            <a:schemeClr val="accent1">
+              <a:shade val="50000"/>
+            </a:schemeClr>
+          </a:lnRef>
+          <a:fillRef idx="1">
+            <a:schemeClr val="accent1"/>
+          </a:fillRef>
+          <a:effectRef idx="0">
+            <a:schemeClr val="accent1"/>
+          </a:effectRef>
+          <a:fontRef idx="minor">
+            <a:schemeClr val="lt1"/>
+          </a:fontRef>
+        </p:style>
+        <p:txBody>
+          <a:bodyPr rtlCol="0" anchor="ctr"/>
+          <a:lstStyle/>
+          <a:p>
+            <a:pPr algn="ctr"/>
+            <a:r>
+              <a:rPr lang="en-US" sz="1600" dirty="0"/>
+              <a:t>Database</a:t>
+            </a:r>
+            <a:br>
+              <a:rPr lang="en-US" sz="1600" dirty="0"/>
+            </a:br>
+            <a:r>
+              <a:rPr lang="en-US" sz="1600" dirty="0"/>
+              <a:t>Server</a:t>
+            </a:r>
+          </a:p>
+        </p:txBody>
+      </p:sp>
+      <p:sp>
+        <p:nvSpPr>
+          <p:cNvPr id="14" name="Rectangle 13">
+            <a:extLst>
+              <a:ext uri="{FF2B5EF4-FFF2-40B4-BE49-F238E27FC236}">
+                <a16:creationId xmlns:a16="http://schemas.microsoft.com/office/drawing/2014/main" id="{3767037C-0EE6-416E-8DD4-E468E6862D4C}"/>
+              </a:ext>
+            </a:extLst>
+          </p:cNvPr>
+          <p:cNvSpPr/>
+          <p:nvPr/>
+        </p:nvSpPr>
+        <p:spPr>
+          <a:xfrm>
+            <a:off x="2455602" y="3053388"/>
+            <a:ext cx="1393608" cy="523932"/>
+          </a:xfrm>
+          <a:prstGeom prst="rect">
+            <a:avLst/>
+          </a:prstGeom>
+        </p:spPr>
+        <p:style>
+          <a:lnRef idx="2">
+            <a:schemeClr val="accent1">
+              <a:shade val="50000"/>
+            </a:schemeClr>
+          </a:lnRef>
+          <a:fillRef idx="1">
+            <a:schemeClr val="accent1"/>
+          </a:fillRef>
+          <a:effectRef idx="0">
+            <a:schemeClr val="accent1"/>
+          </a:effectRef>
+          <a:fontRef idx="minor">
+            <a:schemeClr val="lt1"/>
+          </a:fontRef>
+        </p:style>
+        <p:txBody>
+          <a:bodyPr rtlCol="0" anchor="ctr"/>
+          <a:lstStyle/>
+          <a:p>
+            <a:pPr algn="ctr"/>
+            <a:r>
+              <a:rPr lang="en-US" sz="1600" dirty="0"/>
+              <a:t>DNS</a:t>
+            </a:r>
+            <a:br>
+              <a:rPr lang="en-US" sz="1600" dirty="0"/>
+            </a:br>
+            <a:r>
+              <a:rPr lang="en-US" sz="1600" dirty="0"/>
+              <a:t>Server</a:t>
+            </a:r>
+          </a:p>
+        </p:txBody>
+      </p:sp>
+      <p:sp>
+        <p:nvSpPr>
+          <p:cNvPr id="19" name="Rectangle 18">
+            <a:extLst>
+              <a:ext uri="{FF2B5EF4-FFF2-40B4-BE49-F238E27FC236}">
+                <a16:creationId xmlns:a16="http://schemas.microsoft.com/office/drawing/2014/main" id="{308A70A5-A341-45BE-B636-904765790361}"/>
+              </a:ext>
+            </a:extLst>
+          </p:cNvPr>
+          <p:cNvSpPr/>
+          <p:nvPr/>
+        </p:nvSpPr>
+        <p:spPr>
+          <a:xfrm>
+            <a:off x="6416763" y="2889525"/>
+            <a:ext cx="1468231" cy="523932"/>
+          </a:xfrm>
+          <a:prstGeom prst="rect">
+            <a:avLst/>
+          </a:prstGeom>
+        </p:spPr>
+        <p:style>
+          <a:lnRef idx="2">
+            <a:schemeClr val="accent1">
+              <a:shade val="50000"/>
+            </a:schemeClr>
+          </a:lnRef>
+          <a:fillRef idx="1">
+            <a:schemeClr val="accent1"/>
+          </a:fillRef>
+          <a:effectRef idx="0">
+            <a:schemeClr val="accent1"/>
+          </a:effectRef>
+          <a:fontRef idx="minor">
+            <a:schemeClr val="lt1"/>
+          </a:fontRef>
+        </p:style>
+        <p:txBody>
+          <a:bodyPr rtlCol="0" anchor="ctr"/>
+          <a:lstStyle/>
+          <a:p>
+            <a:pPr algn="ctr"/>
+            <a:r>
+              <a:rPr lang="en-US" sz="1600" dirty="0"/>
+              <a:t>Web</a:t>
+            </a:r>
+            <a:br>
+              <a:rPr lang="en-US" sz="1600" dirty="0"/>
+            </a:br>
+            <a:r>
+              <a:rPr lang="en-US" sz="1600" dirty="0"/>
+              <a:t>Server</a:t>
+            </a:r>
+          </a:p>
+        </p:txBody>
+      </p:sp>
+      <p:sp>
+        <p:nvSpPr>
+          <p:cNvPr id="20" name="Rectangle 19">
+            <a:extLst>
+              <a:ext uri="{FF2B5EF4-FFF2-40B4-BE49-F238E27FC236}">
+                <a16:creationId xmlns:a16="http://schemas.microsoft.com/office/drawing/2014/main" id="{B5325AFC-9984-46E3-A8B4-004505E3DB94}"/>
+              </a:ext>
+            </a:extLst>
+          </p:cNvPr>
+          <p:cNvSpPr/>
+          <p:nvPr/>
+        </p:nvSpPr>
+        <p:spPr>
+          <a:xfrm>
+            <a:off x="6405613" y="3479919"/>
+            <a:ext cx="1468232" cy="523932"/>
+          </a:xfrm>
+          <a:prstGeom prst="rect">
+            <a:avLst/>
+          </a:prstGeom>
+        </p:spPr>
+        <p:style>
+          <a:lnRef idx="2">
+            <a:schemeClr val="accent2">
+              <a:shade val="50000"/>
+            </a:schemeClr>
+          </a:lnRef>
+          <a:fillRef idx="1">
+            <a:schemeClr val="accent2"/>
+          </a:fillRef>
+          <a:effectRef idx="0">
+            <a:schemeClr val="accent2"/>
+          </a:effectRef>
+          <a:fontRef idx="minor">
+            <a:schemeClr val="lt1"/>
+          </a:fontRef>
+        </p:style>
+        <p:txBody>
+          <a:bodyPr rtlCol="0" anchor="ctr"/>
+          <a:lstStyle/>
+          <a:p>
+            <a:pPr algn="ctr"/>
+            <a:r>
+              <a:rPr lang="en-US" sz="2000" dirty="0"/>
+              <a:t>Web App</a:t>
+            </a:r>
+            <a:endParaRPr lang="en-US" sz="1600" dirty="0"/>
+          </a:p>
+        </p:txBody>
+      </p:sp>
+      <p:sp>
+        <p:nvSpPr>
+          <p:cNvPr id="21" name="Rectangle 20">
+            <a:extLst>
+              <a:ext uri="{FF2B5EF4-FFF2-40B4-BE49-F238E27FC236}">
+                <a16:creationId xmlns:a16="http://schemas.microsoft.com/office/drawing/2014/main" id="{133D0D41-F166-4AE4-9651-C0D3BD5C8551}"/>
+              </a:ext>
+            </a:extLst>
+          </p:cNvPr>
+          <p:cNvSpPr/>
+          <p:nvPr/>
+        </p:nvSpPr>
+        <p:spPr>
+          <a:xfrm>
+            <a:off x="6423932" y="5074584"/>
+            <a:ext cx="4379913" cy="436760"/>
+          </a:xfrm>
+          <a:prstGeom prst="rect">
+            <a:avLst/>
+          </a:prstGeom>
+          <a:gradFill flip="none" rotWithShape="1">
+            <a:gsLst>
+              <a:gs pos="0">
+                <a:schemeClr val="accent6">
+                  <a:lumMod val="67000"/>
+                </a:schemeClr>
+              </a:gs>
+              <a:gs pos="48000">
+                <a:schemeClr val="accent6">
+                  <a:lumMod val="97000"/>
+                  <a:lumOff val="3000"/>
+                </a:schemeClr>
+              </a:gs>
+              <a:gs pos="100000">
+                <a:schemeClr val="accent6">
+                  <a:lumMod val="60000"/>
+                  <a:lumOff val="40000"/>
+                </a:schemeClr>
+              </a:gs>
+            </a:gsLst>
+            <a:lin ang="16200000" scaled="1"/>
+            <a:tileRect/>
+          </a:gradFill>
+          <a:ln>
+            <a:noFill/>
+          </a:ln>
+        </p:spPr>
+        <p:style>
+          <a:lnRef idx="0">
+            <a:scrgbClr r="0" g="0" b="0"/>
+          </a:lnRef>
+          <a:fillRef idx="0">
+            <a:scrgbClr r="0" g="0" b="0"/>
+          </a:fillRef>
+          <a:effectRef idx="0">
+            <a:scrgbClr r="0" g="0" b="0"/>
+          </a:effectRef>
+          <a:fontRef idx="minor">
+            <a:schemeClr val="lt1"/>
+          </a:fontRef>
+        </p:style>
+        <p:txBody>
+          <a:bodyPr rtlCol="0" anchor="ctr"/>
+          <a:lstStyle/>
+          <a:p>
+            <a:pPr algn="ctr"/>
+            <a:r>
+              <a:rPr lang="en-US" sz="2000" dirty="0"/>
+              <a:t>VMWare ESX (Hypervisor)</a:t>
+            </a:r>
+          </a:p>
+        </p:txBody>
+      </p:sp>
+      <p:sp>
+        <p:nvSpPr>
+          <p:cNvPr id="22" name="Rectangle 21">
+            <a:extLst>
+              <a:ext uri="{FF2B5EF4-FFF2-40B4-BE49-F238E27FC236}">
+                <a16:creationId xmlns:a16="http://schemas.microsoft.com/office/drawing/2014/main" id="{BAF6FEF3-92EF-4CE8-BA1A-BE805FC5EC0C}"/>
+              </a:ext>
+            </a:extLst>
+          </p:cNvPr>
+          <p:cNvSpPr/>
+          <p:nvPr/>
+        </p:nvSpPr>
+        <p:spPr>
+          <a:xfrm>
+            <a:off x="6423931" y="5583878"/>
+            <a:ext cx="4379914" cy="436760"/>
+          </a:xfrm>
+          <a:prstGeom prst="rect">
+            <a:avLst/>
+          </a:prstGeom>
+        </p:spPr>
+        <p:style>
+          <a:lnRef idx="2">
+            <a:schemeClr val="accent3">
+              <a:shade val="50000"/>
+            </a:schemeClr>
+          </a:lnRef>
+          <a:fillRef idx="1">
+            <a:schemeClr val="accent3"/>
+          </a:fillRef>
+          <a:effectRef idx="0">
+            <a:schemeClr val="accent3"/>
+          </a:effectRef>
+          <a:fontRef idx="minor">
+            <a:schemeClr val="lt1"/>
+          </a:fontRef>
+        </p:style>
+        <p:txBody>
+          <a:bodyPr rtlCol="0" anchor="ctr"/>
+          <a:lstStyle/>
+          <a:p>
+            <a:pPr algn="ctr"/>
+            <a:r>
+              <a:rPr lang="en-US" sz="2000" dirty="0"/>
+              <a:t>Dell PowerEdge (Hardware)</a:t>
+            </a:r>
+          </a:p>
+        </p:txBody>
+      </p:sp>
+      <p:sp>
+        <p:nvSpPr>
+          <p:cNvPr id="23" name="Rectangle 22">
+            <a:extLst>
+              <a:ext uri="{FF2B5EF4-FFF2-40B4-BE49-F238E27FC236}">
+                <a16:creationId xmlns:a16="http://schemas.microsoft.com/office/drawing/2014/main" id="{1B2C3B55-E92E-48B8-881C-D2926C6C14C8}"/>
+              </a:ext>
+            </a:extLst>
+          </p:cNvPr>
+          <p:cNvSpPr/>
+          <p:nvPr/>
+        </p:nvSpPr>
+        <p:spPr>
+          <a:xfrm>
+            <a:off x="7942003" y="3479919"/>
+            <a:ext cx="1393608" cy="523932"/>
+          </a:xfrm>
+          <a:prstGeom prst="rect">
+            <a:avLst/>
+          </a:prstGeom>
+        </p:spPr>
+        <p:style>
+          <a:lnRef idx="2">
+            <a:schemeClr val="accent2">
+              <a:shade val="50000"/>
+            </a:schemeClr>
+          </a:lnRef>
+          <a:fillRef idx="1">
+            <a:schemeClr val="accent2"/>
+          </a:fillRef>
+          <a:effectRef idx="0">
+            <a:schemeClr val="accent2"/>
+          </a:effectRef>
+          <a:fontRef idx="minor">
+            <a:schemeClr val="lt1"/>
+          </a:fontRef>
+        </p:style>
+        <p:txBody>
+          <a:bodyPr rtlCol="0" anchor="ctr"/>
+          <a:lstStyle/>
+          <a:p>
+            <a:pPr algn="ctr"/>
+            <a:r>
+              <a:rPr lang="en-US" sz="2000" dirty="0"/>
+              <a:t>DNS</a:t>
+            </a:r>
+            <a:endParaRPr lang="en-US" sz="1600" dirty="0"/>
+          </a:p>
+        </p:txBody>
+      </p:sp>
+      <p:sp>
+        <p:nvSpPr>
+          <p:cNvPr id="24" name="Rectangle 23">
+            <a:extLst>
+              <a:ext uri="{FF2B5EF4-FFF2-40B4-BE49-F238E27FC236}">
+                <a16:creationId xmlns:a16="http://schemas.microsoft.com/office/drawing/2014/main" id="{F30C2104-690F-43D8-B4C3-6EA3DECB6E3A}"/>
+              </a:ext>
+            </a:extLst>
+          </p:cNvPr>
+          <p:cNvSpPr/>
+          <p:nvPr/>
+        </p:nvSpPr>
+        <p:spPr>
+          <a:xfrm>
+            <a:off x="9403769" y="3479919"/>
+            <a:ext cx="1400075" cy="523932"/>
+          </a:xfrm>
+          <a:prstGeom prst="rect">
+            <a:avLst/>
+          </a:prstGeom>
+        </p:spPr>
+        <p:style>
+          <a:lnRef idx="2">
+            <a:schemeClr val="accent2">
+              <a:shade val="50000"/>
+            </a:schemeClr>
+          </a:lnRef>
+          <a:fillRef idx="1">
+            <a:schemeClr val="accent2"/>
+          </a:fillRef>
+          <a:effectRef idx="0">
+            <a:schemeClr val="accent2"/>
+          </a:effectRef>
+          <a:fontRef idx="minor">
+            <a:schemeClr val="lt1"/>
+          </a:fontRef>
+        </p:style>
+        <p:txBody>
+          <a:bodyPr rtlCol="0" anchor="ctr"/>
+          <a:lstStyle/>
+          <a:p>
+            <a:pPr algn="ctr"/>
+            <a:r>
+              <a:rPr lang="en-US" sz="2000" dirty="0"/>
+              <a:t>Database</a:t>
+            </a:r>
+            <a:endParaRPr lang="en-US" sz="1600" dirty="0"/>
+          </a:p>
+        </p:txBody>
+      </p:sp>
+      <p:sp>
+        <p:nvSpPr>
+          <p:cNvPr id="25" name="Rectangle 24">
+            <a:extLst>
+              <a:ext uri="{FF2B5EF4-FFF2-40B4-BE49-F238E27FC236}">
+                <a16:creationId xmlns:a16="http://schemas.microsoft.com/office/drawing/2014/main" id="{67CADCC9-D6A7-408D-B91F-92CDB8AF70B8}"/>
+              </a:ext>
+            </a:extLst>
+          </p:cNvPr>
+          <p:cNvSpPr/>
+          <p:nvPr/>
+        </p:nvSpPr>
+        <p:spPr>
+          <a:xfrm>
+            <a:off x="9410236" y="2882138"/>
+            <a:ext cx="1393608" cy="523932"/>
+          </a:xfrm>
+          <a:prstGeom prst="rect">
+            <a:avLst/>
+          </a:prstGeom>
+        </p:spPr>
+        <p:style>
+          <a:lnRef idx="2">
+            <a:schemeClr val="accent1">
+              <a:shade val="50000"/>
+            </a:schemeClr>
+          </a:lnRef>
+          <a:fillRef idx="1">
+            <a:schemeClr val="accent1"/>
+          </a:fillRef>
+          <a:effectRef idx="0">
+            <a:schemeClr val="accent1"/>
+          </a:effectRef>
+          <a:fontRef idx="minor">
+            <a:schemeClr val="lt1"/>
+          </a:fontRef>
+        </p:style>
+        <p:txBody>
+          <a:bodyPr rtlCol="0" anchor="ctr"/>
+          <a:lstStyle/>
+          <a:p>
+            <a:pPr algn="ctr"/>
+            <a:r>
+              <a:rPr lang="en-US" sz="1600" dirty="0"/>
+              <a:t>Database</a:t>
+            </a:r>
+            <a:br>
+              <a:rPr lang="en-US" sz="1600" dirty="0"/>
+            </a:br>
+            <a:r>
+              <a:rPr lang="en-US" sz="1600" dirty="0"/>
+              <a:t>Server</a:t>
+            </a:r>
+          </a:p>
+        </p:txBody>
+      </p:sp>
+      <p:sp>
+        <p:nvSpPr>
+          <p:cNvPr id="26" name="Rectangle 25">
+            <a:extLst>
+              <a:ext uri="{FF2B5EF4-FFF2-40B4-BE49-F238E27FC236}">
+                <a16:creationId xmlns:a16="http://schemas.microsoft.com/office/drawing/2014/main" id="{EA5F440E-91AD-478D-B086-CD8E3E95B543}"/>
+              </a:ext>
+            </a:extLst>
+          </p:cNvPr>
+          <p:cNvSpPr/>
+          <p:nvPr/>
+        </p:nvSpPr>
+        <p:spPr>
+          <a:xfrm>
+            <a:off x="7942003" y="2885417"/>
+            <a:ext cx="1393608" cy="523932"/>
+          </a:xfrm>
+          <a:prstGeom prst="rect">
+            <a:avLst/>
+          </a:prstGeom>
+        </p:spPr>
+        <p:style>
+          <a:lnRef idx="2">
+            <a:schemeClr val="accent1">
+              <a:shade val="50000"/>
+            </a:schemeClr>
+          </a:lnRef>
+          <a:fillRef idx="1">
+            <a:schemeClr val="accent1"/>
+          </a:fillRef>
+          <a:effectRef idx="0">
+            <a:schemeClr val="accent1"/>
+          </a:effectRef>
+          <a:fontRef idx="minor">
+            <a:schemeClr val="lt1"/>
+          </a:fontRef>
+        </p:style>
+        <p:txBody>
+          <a:bodyPr rtlCol="0" anchor="ctr"/>
+          <a:lstStyle/>
+          <a:p>
+            <a:pPr algn="ctr"/>
+            <a:r>
+              <a:rPr lang="en-US" sz="1600" dirty="0"/>
+              <a:t>DNS</a:t>
+            </a:r>
+            <a:br>
+              <a:rPr lang="en-US" sz="1600" dirty="0"/>
+            </a:br>
+            <a:r>
+              <a:rPr lang="en-US" sz="1600" dirty="0"/>
+              <a:t>Server</a:t>
+            </a:r>
+          </a:p>
+        </p:txBody>
+      </p:sp>
+      <p:sp>
+        <p:nvSpPr>
+          <p:cNvPr id="27" name="Rectangle 26">
+            <a:extLst>
+              <a:ext uri="{FF2B5EF4-FFF2-40B4-BE49-F238E27FC236}">
+                <a16:creationId xmlns:a16="http://schemas.microsoft.com/office/drawing/2014/main" id="{E6B30C76-F825-4CF8-AB94-955801AB6C53}"/>
+              </a:ext>
+            </a:extLst>
+          </p:cNvPr>
+          <p:cNvSpPr/>
+          <p:nvPr/>
+        </p:nvSpPr>
+        <p:spPr>
+          <a:xfrm>
+            <a:off x="6418071" y="4576353"/>
+            <a:ext cx="4379913" cy="436760"/>
+          </a:xfrm>
+          <a:prstGeom prst="rect">
+            <a:avLst/>
+          </a:prstGeom>
+          <a:gradFill flip="none" rotWithShape="1">
+            <a:gsLst>
+              <a:gs pos="0">
+                <a:schemeClr val="accent6">
+                  <a:lumMod val="67000"/>
+                </a:schemeClr>
+              </a:gs>
+              <a:gs pos="48000">
+                <a:schemeClr val="accent6">
+                  <a:lumMod val="97000"/>
+                  <a:lumOff val="3000"/>
+                </a:schemeClr>
+              </a:gs>
+              <a:gs pos="100000">
+                <a:schemeClr val="accent6">
+                  <a:lumMod val="60000"/>
+                  <a:lumOff val="40000"/>
+                </a:schemeClr>
+              </a:gs>
+            </a:gsLst>
+            <a:lin ang="16200000" scaled="1"/>
+            <a:tileRect/>
+          </a:gradFill>
+          <a:ln>
+            <a:noFill/>
+          </a:ln>
+        </p:spPr>
+        <p:style>
+          <a:lnRef idx="0">
+            <a:scrgbClr r="0" g="0" b="0"/>
+          </a:lnRef>
+          <a:fillRef idx="0">
+            <a:scrgbClr r="0" g="0" b="0"/>
+          </a:fillRef>
+          <a:effectRef idx="0">
+            <a:scrgbClr r="0" g="0" b="0"/>
+          </a:effectRef>
+          <a:fontRef idx="minor">
+            <a:schemeClr val="lt1"/>
+          </a:fontRef>
+        </p:style>
+        <p:txBody>
+          <a:bodyPr rtlCol="0" anchor="ctr"/>
+          <a:lstStyle/>
+          <a:p>
+            <a:pPr algn="ctr"/>
+            <a:r>
+              <a:rPr lang="en-US" sz="2000" dirty="0"/>
+              <a:t>Linux (Operating System</a:t>
+            </a:r>
+          </a:p>
+        </p:txBody>
+      </p:sp>
+      <p:sp>
+        <p:nvSpPr>
+          <p:cNvPr id="28" name="Rectangle 27">
+            <a:extLst>
+              <a:ext uri="{FF2B5EF4-FFF2-40B4-BE49-F238E27FC236}">
+                <a16:creationId xmlns:a16="http://schemas.microsoft.com/office/drawing/2014/main" id="{C99E6621-682B-4DD5-BE3F-B53BAA6BDE5A}"/>
+              </a:ext>
+            </a:extLst>
+          </p:cNvPr>
+          <p:cNvSpPr/>
+          <p:nvPr/>
+        </p:nvSpPr>
+        <p:spPr>
+          <a:xfrm>
+            <a:off x="6409284" y="4092777"/>
+            <a:ext cx="4379913" cy="436760"/>
+          </a:xfrm>
+          <a:prstGeom prst="rect">
+            <a:avLst/>
+          </a:prstGeom>
+          <a:gradFill flip="none" rotWithShape="1">
+            <a:gsLst>
+              <a:gs pos="0">
+                <a:schemeClr val="accent6">
+                  <a:lumMod val="67000"/>
+                </a:schemeClr>
+              </a:gs>
+              <a:gs pos="48000">
+                <a:schemeClr val="accent6">
+                  <a:lumMod val="97000"/>
+                  <a:lumOff val="3000"/>
+                </a:schemeClr>
+              </a:gs>
+              <a:gs pos="100000">
+                <a:schemeClr val="accent6">
+                  <a:lumMod val="60000"/>
+                  <a:lumOff val="40000"/>
+                </a:schemeClr>
+              </a:gs>
+            </a:gsLst>
+            <a:lin ang="16200000" scaled="1"/>
+            <a:tileRect/>
+          </a:gradFill>
+          <a:ln>
+            <a:noFill/>
+          </a:ln>
+        </p:spPr>
+        <p:style>
+          <a:lnRef idx="0">
+            <a:scrgbClr r="0" g="0" b="0"/>
+          </a:lnRef>
+          <a:fillRef idx="0">
+            <a:scrgbClr r="0" g="0" b="0"/>
+          </a:fillRef>
+          <a:effectRef idx="0">
+            <a:scrgbClr r="0" g="0" b="0"/>
+          </a:effectRef>
+          <a:fontRef idx="minor">
+            <a:schemeClr val="lt1"/>
+          </a:fontRef>
+        </p:style>
+        <p:txBody>
+          <a:bodyPr rtlCol="0" anchor="ctr"/>
+          <a:lstStyle/>
+          <a:p>
+            <a:pPr algn="ctr"/>
+            <a:r>
+              <a:rPr lang="en-US" sz="2000" dirty="0"/>
+              <a:t>Docker (Container Runtime)</a:t>
+            </a:r>
+          </a:p>
+        </p:txBody>
+      </p:sp>
     </p:spTree>
     <p:extLst>
       <p:ext uri="{BB962C8B-B14F-4D97-AF65-F5344CB8AC3E}">
-        <p14:creationId xmlns:p14="http://schemas.microsoft.com/office/powerpoint/2010/main" val="1640116739"/>
+        <p14:creationId xmlns:p14="http://schemas.microsoft.com/office/powerpoint/2010/main" val="3180343072"/>
       </p:ext>
     </p:extLst>
   </p:cSld>
   <p:clrMapOvr>
     <a:masterClrMapping/>
   </p:clrMapOvr>
+  <p:timing>
+    <p:tnLst>
+      <p:par>
+        <p:cTn id="1" dur="indefinite" restart="never" nodeType="tmRoot">
+          <p:childTnLst>
+            <p:seq concurrent="1" nextAc="seek">
+              <p:cTn id="2" dur="indefinite" nodeType="mainSeq">
+                <p:childTnLst>
+                  <p:par>
+                    <p:cTn id="3" fill="hold">
+                      <p:stCondLst>
+                        <p:cond delay="indefinite"/>
+                      </p:stCondLst>
+                      <p:childTnLst>
+                        <p:par>
+                          <p:cTn id="4" fill="hold">
+                            <p:stCondLst>
+                              <p:cond delay="0"/>
+                            </p:stCondLst>
+                            <p:childTnLst>
+                              <p:par>
+                                <p:cTn id="5" presetID="1" presetClass="entr" presetSubtype="0" fill="hold" grpId="0" nodeType="clickEffect">
+                                  <p:stCondLst>
+                                    <p:cond delay="0"/>
+                                  </p:stCondLst>
+                                  <p:childTnLst>
+                                    <p:set>
+                                      <p:cBhvr>
+                                        <p:cTn id="6" dur="1" fill="hold">
+                                          <p:stCondLst>
+                                            <p:cond delay="0"/>
+                                          </p:stCondLst>
+                                        </p:cTn>
+                                        <p:tgtEl>
+                                          <p:spTgt spid="17">
+                                            <p:txEl>
+                                              <p:pRg st="0" end="0"/>
+                                            </p:txEl>
+                                          </p:spTgt>
+                                        </p:tgtEl>
+                                        <p:attrNameLst>
+                                          <p:attrName>style.visibility</p:attrName>
+                                        </p:attrNameLst>
+                                      </p:cBhvr>
+                                      <p:to>
+                                        <p:strVal val="visible"/>
+                                      </p:to>
+                                    </p:set>
+                                  </p:childTnLst>
+                                </p:cTn>
+                              </p:par>
+                              <p:par>
+                                <p:cTn id="7" presetID="1" presetClass="entr" presetSubtype="0" fill="hold" grpId="0" nodeType="withEffect" nodePh="1">
+                                  <p:stCondLst>
+                                    <p:cond delay="0"/>
+                                  </p:stCondLst>
+                                  <p:endCondLst>
+                                    <p:cond evt="begin" delay="0">
+                                      <p:tn val="7"/>
+                                    </p:cond>
+                                  </p:endCondLst>
+                                  <p:childTnLst>
+                                    <p:set>
+                                      <p:cBhvr>
+                                        <p:cTn id="8" dur="1" fill="hold">
+                                          <p:stCondLst>
+                                            <p:cond delay="0"/>
+                                          </p:stCondLst>
+                                        </p:cTn>
+                                        <p:tgtEl>
+                                          <p:spTgt spid="18">
+                                            <p:txEl>
+                                              <p:pRg st="0" end="0"/>
+                                            </p:txEl>
+                                          </p:spTgt>
+                                        </p:tgtEl>
+                                        <p:attrNameLst>
+                                          <p:attrName>style.visibility</p:attrName>
+                                        </p:attrNameLst>
+                                      </p:cBhvr>
+                                      <p:to>
+                                        <p:strVal val="visible"/>
+                                      </p:to>
+                                    </p:set>
+                                  </p:childTnLst>
+                                </p:cTn>
+                              </p:par>
+                              <p:par>
+                                <p:cTn id="9" presetID="1" presetClass="entr" presetSubtype="0" fill="hold" grpId="0" nodeType="withEffect">
+                                  <p:stCondLst>
+                                    <p:cond delay="0"/>
+                                  </p:stCondLst>
+                                  <p:childTnLst>
+                                    <p:set>
+                                      <p:cBhvr>
+                                        <p:cTn id="10" dur="1" fill="hold">
+                                          <p:stCondLst>
+                                            <p:cond delay="0"/>
+                                          </p:stCondLst>
+                                        </p:cTn>
+                                        <p:tgtEl>
+                                          <p:spTgt spid="19"/>
+                                        </p:tgtEl>
+                                        <p:attrNameLst>
+                                          <p:attrName>style.visibility</p:attrName>
+                                        </p:attrNameLst>
+                                      </p:cBhvr>
+                                      <p:to>
+                                        <p:strVal val="visible"/>
+                                      </p:to>
+                                    </p:set>
+                                  </p:childTnLst>
+                                </p:cTn>
+                              </p:par>
+                              <p:par>
+                                <p:cTn id="11" presetID="1" presetClass="entr" presetSubtype="0" fill="hold" grpId="0" nodeType="withEffect">
+                                  <p:stCondLst>
+                                    <p:cond delay="0"/>
+                                  </p:stCondLst>
+                                  <p:childTnLst>
+                                    <p:set>
+                                      <p:cBhvr>
+                                        <p:cTn id="12" dur="1" fill="hold">
+                                          <p:stCondLst>
+                                            <p:cond delay="0"/>
+                                          </p:stCondLst>
+                                        </p:cTn>
+                                        <p:tgtEl>
+                                          <p:spTgt spid="20"/>
+                                        </p:tgtEl>
+                                        <p:attrNameLst>
+                                          <p:attrName>style.visibility</p:attrName>
+                                        </p:attrNameLst>
+                                      </p:cBhvr>
+                                      <p:to>
+                                        <p:strVal val="visible"/>
+                                      </p:to>
+                                    </p:set>
+                                  </p:childTnLst>
+                                </p:cTn>
+                              </p:par>
+                              <p:par>
+                                <p:cTn id="13" presetID="1" presetClass="entr" presetSubtype="0" fill="hold" grpId="0" nodeType="withEffect">
+                                  <p:stCondLst>
+                                    <p:cond delay="0"/>
+                                  </p:stCondLst>
+                                  <p:childTnLst>
+                                    <p:set>
+                                      <p:cBhvr>
+                                        <p:cTn id="14" dur="1" fill="hold">
+                                          <p:stCondLst>
+                                            <p:cond delay="0"/>
+                                          </p:stCondLst>
+                                        </p:cTn>
+                                        <p:tgtEl>
+                                          <p:spTgt spid="21"/>
+                                        </p:tgtEl>
+                                        <p:attrNameLst>
+                                          <p:attrName>style.visibility</p:attrName>
+                                        </p:attrNameLst>
+                                      </p:cBhvr>
+                                      <p:to>
+                                        <p:strVal val="visible"/>
+                                      </p:to>
+                                    </p:set>
+                                  </p:childTnLst>
+                                </p:cTn>
+                              </p:par>
+                              <p:par>
+                                <p:cTn id="15" presetID="1" presetClass="entr" presetSubtype="0" fill="hold" grpId="0" nodeType="withEffect">
+                                  <p:stCondLst>
+                                    <p:cond delay="0"/>
+                                  </p:stCondLst>
+                                  <p:childTnLst>
+                                    <p:set>
+                                      <p:cBhvr>
+                                        <p:cTn id="16" dur="1" fill="hold">
+                                          <p:stCondLst>
+                                            <p:cond delay="0"/>
+                                          </p:stCondLst>
+                                        </p:cTn>
+                                        <p:tgtEl>
+                                          <p:spTgt spid="22"/>
+                                        </p:tgtEl>
+                                        <p:attrNameLst>
+                                          <p:attrName>style.visibility</p:attrName>
+                                        </p:attrNameLst>
+                                      </p:cBhvr>
+                                      <p:to>
+                                        <p:strVal val="visible"/>
+                                      </p:to>
+                                    </p:set>
+                                  </p:childTnLst>
+                                </p:cTn>
+                              </p:par>
+                              <p:par>
+                                <p:cTn id="17" presetID="1" presetClass="entr" presetSubtype="0" fill="hold" grpId="0" nodeType="withEffect">
+                                  <p:stCondLst>
+                                    <p:cond delay="0"/>
+                                  </p:stCondLst>
+                                  <p:childTnLst>
+                                    <p:set>
+                                      <p:cBhvr>
+                                        <p:cTn id="18" dur="1" fill="hold">
+                                          <p:stCondLst>
+                                            <p:cond delay="0"/>
+                                          </p:stCondLst>
+                                        </p:cTn>
+                                        <p:tgtEl>
+                                          <p:spTgt spid="23"/>
+                                        </p:tgtEl>
+                                        <p:attrNameLst>
+                                          <p:attrName>style.visibility</p:attrName>
+                                        </p:attrNameLst>
+                                      </p:cBhvr>
+                                      <p:to>
+                                        <p:strVal val="visible"/>
+                                      </p:to>
+                                    </p:set>
+                                  </p:childTnLst>
+                                </p:cTn>
+                              </p:par>
+                              <p:par>
+                                <p:cTn id="19" presetID="1" presetClass="entr" presetSubtype="0" fill="hold" grpId="0" nodeType="withEffect">
+                                  <p:stCondLst>
+                                    <p:cond delay="0"/>
+                                  </p:stCondLst>
+                                  <p:childTnLst>
+                                    <p:set>
+                                      <p:cBhvr>
+                                        <p:cTn id="20" dur="1" fill="hold">
+                                          <p:stCondLst>
+                                            <p:cond delay="0"/>
+                                          </p:stCondLst>
+                                        </p:cTn>
+                                        <p:tgtEl>
+                                          <p:spTgt spid="24"/>
+                                        </p:tgtEl>
+                                        <p:attrNameLst>
+                                          <p:attrName>style.visibility</p:attrName>
+                                        </p:attrNameLst>
+                                      </p:cBhvr>
+                                      <p:to>
+                                        <p:strVal val="visible"/>
+                                      </p:to>
+                                    </p:set>
+                                  </p:childTnLst>
+                                </p:cTn>
+                              </p:par>
+                              <p:par>
+                                <p:cTn id="21" presetID="1" presetClass="entr" presetSubtype="0" fill="hold" grpId="0" nodeType="withEffect">
+                                  <p:stCondLst>
+                                    <p:cond delay="0"/>
+                                  </p:stCondLst>
+                                  <p:childTnLst>
+                                    <p:set>
+                                      <p:cBhvr>
+                                        <p:cTn id="22" dur="1" fill="hold">
+                                          <p:stCondLst>
+                                            <p:cond delay="0"/>
+                                          </p:stCondLst>
+                                        </p:cTn>
+                                        <p:tgtEl>
+                                          <p:spTgt spid="25"/>
+                                        </p:tgtEl>
+                                        <p:attrNameLst>
+                                          <p:attrName>style.visibility</p:attrName>
+                                        </p:attrNameLst>
+                                      </p:cBhvr>
+                                      <p:to>
+                                        <p:strVal val="visible"/>
+                                      </p:to>
+                                    </p:set>
+                                  </p:childTnLst>
+                                </p:cTn>
+                              </p:par>
+                              <p:par>
+                                <p:cTn id="23" presetID="1" presetClass="entr" presetSubtype="0" fill="hold" grpId="0" nodeType="withEffect">
+                                  <p:stCondLst>
+                                    <p:cond delay="0"/>
+                                  </p:stCondLst>
+                                  <p:childTnLst>
+                                    <p:set>
+                                      <p:cBhvr>
+                                        <p:cTn id="24" dur="1" fill="hold">
+                                          <p:stCondLst>
+                                            <p:cond delay="0"/>
+                                          </p:stCondLst>
+                                        </p:cTn>
+                                        <p:tgtEl>
+                                          <p:spTgt spid="26"/>
+                                        </p:tgtEl>
+                                        <p:attrNameLst>
+                                          <p:attrName>style.visibility</p:attrName>
+                                        </p:attrNameLst>
+                                      </p:cBhvr>
+                                      <p:to>
+                                        <p:strVal val="visible"/>
+                                      </p:to>
+                                    </p:set>
+                                  </p:childTnLst>
+                                </p:cTn>
+                              </p:par>
+                              <p:par>
+                                <p:cTn id="25" presetID="1" presetClass="entr" presetSubtype="0" fill="hold" grpId="0" nodeType="withEffect">
+                                  <p:stCondLst>
+                                    <p:cond delay="0"/>
+                                  </p:stCondLst>
+                                  <p:childTnLst>
+                                    <p:set>
+                                      <p:cBhvr>
+                                        <p:cTn id="26" dur="1" fill="hold">
+                                          <p:stCondLst>
+                                            <p:cond delay="0"/>
+                                          </p:stCondLst>
+                                        </p:cTn>
+                                        <p:tgtEl>
+                                          <p:spTgt spid="27"/>
+                                        </p:tgtEl>
+                                        <p:attrNameLst>
+                                          <p:attrName>style.visibility</p:attrName>
+                                        </p:attrNameLst>
+                                      </p:cBhvr>
+                                      <p:to>
+                                        <p:strVal val="visible"/>
+                                      </p:to>
+                                    </p:set>
+                                  </p:childTnLst>
+                                </p:cTn>
+                              </p:par>
+                              <p:par>
+                                <p:cTn id="27" presetID="1" presetClass="entr" presetSubtype="0" fill="hold" grpId="0" nodeType="withEffect">
+                                  <p:stCondLst>
+                                    <p:cond delay="0"/>
+                                  </p:stCondLst>
+                                  <p:childTnLst>
+                                    <p:set>
+                                      <p:cBhvr>
+                                        <p:cTn id="28" dur="1" fill="hold">
+                                          <p:stCondLst>
+                                            <p:cond delay="0"/>
+                                          </p:stCondLst>
+                                        </p:cTn>
+                                        <p:tgtEl>
+                                          <p:spTgt spid="28"/>
+                                        </p:tgtEl>
+                                        <p:attrNameLst>
+                                          <p:attrName>style.visibility</p:attrName>
+                                        </p:attrNameLst>
+                                      </p:cBhvr>
+                                      <p:to>
+                                        <p:strVal val="visible"/>
+                                      </p:to>
+                                    </p:set>
+                                  </p:childTnLst>
+                                </p:cTn>
+                              </p:par>
+                            </p:childTnLst>
+                          </p:cTn>
+                        </p:par>
+                      </p:childTnLst>
+                    </p:cTn>
+                  </p:par>
+                </p:childTnLst>
+              </p:cTn>
+              <p:prevCondLst>
+                <p:cond evt="onPrev" delay="0">
+                  <p:tgtEl>
+                    <p:sldTgt/>
+                  </p:tgtEl>
+                </p:cond>
+              </p:prevCondLst>
+              <p:nextCondLst>
+                <p:cond evt="onNext" delay="0">
+                  <p:tgtEl>
+                    <p:sldTgt/>
+                  </p:tgtEl>
+                </p:cond>
+              </p:nextCondLst>
+            </p:seq>
+          </p:childTnLst>
+        </p:cTn>
+      </p:par>
+    </p:tnLst>
+    <p:bldLst>
+      <p:bldP spid="17" grpId="0" build="p"/>
+      <p:bldP spid="18" grpId="0" build="p"/>
+      <p:bldP spid="19" grpId="0" animBg="1"/>
+      <p:bldP spid="20" grpId="0" animBg="1"/>
+      <p:bldP spid="21" grpId="0" animBg="1"/>
+      <p:bldP spid="22" grpId="0" animBg="1"/>
+      <p:bldP spid="23" grpId="0" animBg="1"/>
+      <p:bldP spid="24" grpId="0" animBg="1"/>
+      <p:bldP spid="25" grpId="0" animBg="1"/>
+      <p:bldP spid="26" grpId="0" animBg="1"/>
+      <p:bldP spid="27" grpId="0" animBg="1"/>
+      <p:bldP spid="28" grpId="0" animBg="1"/>
+    </p:bldLst>
+  </p:timing>
 </p:sld>
 </file>
 

--- a/content/06-virtualization-and-containerization.pptx
+++ b/content/06-virtualization-and-containerization.pptx
@@ -5,7 +5,7 @@
     <p:sldMasterId id="2147483696" r:id="rId1"/>
   </p:sldMasterIdLst>
   <p:notesMasterIdLst>
-    <p:notesMasterId r:id="rId18"/>
+    <p:notesMasterId r:id="rId19"/>
   </p:notesMasterIdLst>
   <p:sldIdLst>
     <p:sldId id="297" r:id="rId2"/>
@@ -18,12 +18,13 @@
     <p:sldId id="312" r:id="rId9"/>
     <p:sldId id="319" r:id="rId10"/>
     <p:sldId id="317" r:id="rId11"/>
-    <p:sldId id="318" r:id="rId12"/>
-    <p:sldId id="291" r:id="rId13"/>
-    <p:sldId id="294" r:id="rId14"/>
-    <p:sldId id="292" r:id="rId15"/>
-    <p:sldId id="316" r:id="rId16"/>
-    <p:sldId id="283" r:id="rId17"/>
+    <p:sldId id="320" r:id="rId12"/>
+    <p:sldId id="318" r:id="rId13"/>
+    <p:sldId id="291" r:id="rId14"/>
+    <p:sldId id="294" r:id="rId15"/>
+    <p:sldId id="292" r:id="rId16"/>
+    <p:sldId id="316" r:id="rId17"/>
+    <p:sldId id="283" r:id="rId18"/>
   </p:sldIdLst>
   <p:sldSz cx="12192000" cy="6858000"/>
   <p:notesSz cx="6858000" cy="9144000"/>
@@ -141,6 +142,7 @@
             <p14:sldId id="312"/>
             <p14:sldId id="319"/>
             <p14:sldId id="317"/>
+            <p14:sldId id="320"/>
             <p14:sldId id="318"/>
             <p14:sldId id="291"/>
             <p14:sldId id="294"/>
@@ -3530,7 +3532,7 @@
           <a:p>
             <a:fld id="{0112F830-31CF-4898-9DC8-86941997CB87}" type="slidenum">
               <a:rPr lang="en-US" smtClean="0"/>
-              <a:t>14</a:t>
+              <a:t>15</a:t>
             </a:fld>
             <a:endParaRPr lang="en-US"/>
           </a:p>
@@ -4496,7 +4498,7 @@
           <a:p>
             <a:fld id="{0112F830-31CF-4898-9DC8-86941997CB87}" type="slidenum">
               <a:rPr lang="en-US" smtClean="0"/>
-              <a:t>11</a:t>
+              <a:t>12</a:t>
             </a:fld>
             <a:endParaRPr lang="en-US"/>
           </a:p>
@@ -7432,7 +7434,7 @@
                 <a16:creationId xmlns:a16="http://schemas.microsoft.com/office/drawing/2014/main" id="{6753252F-4873-4F63-801D-CC719279A7D5}"/>
               </a:ext>
               <a:ext uri="{C183D7F6-B498-43B3-948B-1728B52AA6E4}">
-                <adec:decorative xmlns="" xmlns:adec="http://schemas.microsoft.com/office/drawing/2017/decorative" val="1"/>
+                <adec:decorative xmlns:adec="http://schemas.microsoft.com/office/drawing/2017/decorative" xmlns="" val="1"/>
               </a:ext>
             </a:extLst>
           </p:cNvPr>
@@ -7524,7 +7526,7 @@
                 <a16:creationId xmlns:a16="http://schemas.microsoft.com/office/drawing/2014/main" id="{047C8CCB-F95D-4249-92DD-651249D3535A}"/>
               </a:ext>
               <a:ext uri="{C183D7F6-B498-43B3-948B-1728B52AA6E4}">
-                <adec:decorative xmlns="" xmlns:adec="http://schemas.microsoft.com/office/drawing/2017/decorative" val="1"/>
+                <adec:decorative xmlns:adec="http://schemas.microsoft.com/office/drawing/2017/decorative" xmlns="" val="1"/>
               </a:ext>
             </a:extLst>
           </p:cNvPr>
@@ -7894,6 +7896,102 @@
           <a:p>
             <a:r>
               <a:rPr lang="en-US" dirty="0" smtClean="0"/>
+              <a:t>Docker’s Multiple Meanings</a:t>
+            </a:r>
+            <a:endParaRPr lang="en-US" dirty="0"/>
+          </a:p>
+        </p:txBody>
+      </p:sp>
+      <p:pic>
+        <p:nvPicPr>
+          <p:cNvPr id="1026" name="Picture 2" descr="Image result for cartoon docker"/>
+          <p:cNvPicPr>
+            <a:picLocks noGrp="1" noChangeAspect="1" noChangeArrowheads="1"/>
+          </p:cNvPicPr>
+          <p:nvPr>
+            <p:ph idx="1"/>
+          </p:nvPr>
+        </p:nvPicPr>
+        <p:blipFill>
+          <a:blip r:embed="rId2">
+            <a:extLst>
+              <a:ext uri="{28A0092B-C50C-407E-A947-70E740481C1C}">
+                <a14:useLocalDpi xmlns:a14="http://schemas.microsoft.com/office/drawing/2010/main" val="0"/>
+              </a:ext>
+            </a:extLst>
+          </a:blip>
+          <a:srcRect/>
+          <a:stretch>
+            <a:fillRect/>
+          </a:stretch>
+        </p:blipFill>
+        <p:spPr bwMode="auto">
+          <a:xfrm>
+            <a:off x="3795579" y="1613870"/>
+            <a:ext cx="4790156" cy="5036106"/>
+          </a:xfrm>
+          <a:prstGeom prst="rect">
+            <a:avLst/>
+          </a:prstGeom>
+          <a:noFill/>
+          <a:extLst>
+            <a:ext uri="{909E8E84-426E-40DD-AFC4-6F175D3DCCD1}">
+              <a14:hiddenFill xmlns:a14="http://schemas.microsoft.com/office/drawing/2010/main">
+                <a:solidFill>
+                  <a:srgbClr val="FFFFFF"/>
+                </a:solidFill>
+              </a14:hiddenFill>
+            </a:ext>
+          </a:extLst>
+        </p:spPr>
+      </p:pic>
+    </p:spTree>
+    <p:extLst>
+      <p:ext uri="{BB962C8B-B14F-4D97-AF65-F5344CB8AC3E}">
+        <p14:creationId xmlns:p14="http://schemas.microsoft.com/office/powerpoint/2010/main" val="2453968233"/>
+      </p:ext>
+    </p:extLst>
+  </p:cSld>
+  <p:clrMapOvr>
+    <a:masterClrMapping/>
+  </p:clrMapOvr>
+</p:sld>
+</file>
+
+<file path=ppt/slides/slide12.xml><?xml version="1.0" encoding="utf-8"?>
+<p:sld xmlns:a="http://schemas.openxmlformats.org/drawingml/2006/main" xmlns:r="http://schemas.openxmlformats.org/officeDocument/2006/relationships" xmlns:p="http://schemas.openxmlformats.org/presentationml/2006/main">
+  <p:cSld>
+    <p:spTree>
+      <p:nvGrpSpPr>
+        <p:cNvPr id="1" name=""/>
+        <p:cNvGrpSpPr/>
+        <p:nvPr/>
+      </p:nvGrpSpPr>
+      <p:grpSpPr>
+        <a:xfrm>
+          <a:off x="0" y="0"/>
+          <a:ext cx="0" cy="0"/>
+          <a:chOff x="0" y="0"/>
+          <a:chExt cx="0" cy="0"/>
+        </a:xfrm>
+      </p:grpSpPr>
+      <p:sp>
+        <p:nvSpPr>
+          <p:cNvPr id="2" name="Title 1"/>
+          <p:cNvSpPr>
+            <a:spLocks noGrp="1"/>
+          </p:cNvSpPr>
+          <p:nvPr>
+            <p:ph type="title"/>
+          </p:nvPr>
+        </p:nvSpPr>
+        <p:spPr/>
+        <p:txBody>
+          <a:bodyPr/>
+          <a:lstStyle/>
+          <a:p>
+            <a:r>
+              <a:rPr lang="en-US" dirty="0" smtClean="0"/>
               <a:t>Demo: Lab Environment</a:t>
             </a:r>
             <a:endParaRPr lang="en-US" dirty="0"/>
@@ -7939,7 +8037,7 @@
 </p:sld>
 </file>
 
-<file path=ppt/slides/slide12.xml><?xml version="1.0" encoding="utf-8"?>
+<file path=ppt/slides/slide13.xml><?xml version="1.0" encoding="utf-8"?>
 <p:sld xmlns:a="http://schemas.openxmlformats.org/drawingml/2006/main" xmlns:r="http://schemas.openxmlformats.org/officeDocument/2006/relationships" xmlns:p="http://schemas.openxmlformats.org/presentationml/2006/main">
   <p:cSld>
     <p:bg>
@@ -7972,7 +8070,7 @@
                 <a16:creationId xmlns:a16="http://schemas.microsoft.com/office/drawing/2014/main" id="{C66F2F30-5DC0-44A0-BFA6-E12F46ED16DA}"/>
               </a:ext>
               <a:ext uri="{C183D7F6-B498-43B3-948B-1728B52AA6E4}">
-                <adec:decorative xmlns="" xmlns:adec="http://schemas.microsoft.com/office/drawing/2017/decorative" val="1"/>
+                <adec:decorative xmlns:adec="http://schemas.microsoft.com/office/drawing/2017/decorative" xmlns="" val="1"/>
               </a:ext>
             </a:extLst>
           </p:cNvPr>
@@ -8096,7 +8194,7 @@
                 <a16:creationId xmlns:a16="http://schemas.microsoft.com/office/drawing/2014/main" id="{85872F57-7F42-4F97-8391-DDC8D0054C03}"/>
               </a:ext>
               <a:ext uri="{C183D7F6-B498-43B3-948B-1728B52AA6E4}">
-                <adec:decorative xmlns="" xmlns:adec="http://schemas.microsoft.com/office/drawing/2017/decorative" val="1"/>
+                <adec:decorative xmlns:adec="http://schemas.microsoft.com/office/drawing/2017/decorative" xmlns="" val="1"/>
               </a:ext>
             </a:extLst>
           </p:cNvPr>
@@ -8252,7 +8350,7 @@
                 <a16:creationId xmlns:a16="http://schemas.microsoft.com/office/drawing/2014/main" id="{04DC2037-48A0-4F22-B9D4-8EAEBC780AB4}"/>
               </a:ext>
               <a:ext uri="{C183D7F6-B498-43B3-948B-1728B52AA6E4}">
-                <adec:decorative xmlns="" xmlns:adec="http://schemas.microsoft.com/office/drawing/2017/decorative" val="1"/>
+                <adec:decorative xmlns:adec="http://schemas.microsoft.com/office/drawing/2017/decorative" xmlns="" val="1"/>
               </a:ext>
             </a:extLst>
           </p:cNvPr>
@@ -8357,7 +8455,7 @@
                 <a16:creationId xmlns:a16="http://schemas.microsoft.com/office/drawing/2014/main" id="{0006CBFD-ADA0-43D1-9332-9C34CA1C76ED}"/>
               </a:ext>
               <a:ext uri="{C183D7F6-B498-43B3-948B-1728B52AA6E4}">
-                <adec:decorative xmlns="" xmlns:adec="http://schemas.microsoft.com/office/drawing/2017/decorative" val="1"/>
+                <adec:decorative xmlns:adec="http://schemas.microsoft.com/office/drawing/2017/decorative" xmlns="" val="1"/>
               </a:ext>
             </a:extLst>
           </p:cNvPr>
@@ -8465,7 +8563,7 @@
                 <a16:creationId xmlns:a16="http://schemas.microsoft.com/office/drawing/2014/main" id="{2B931666-F28F-45F3-A074-66D2272D580B}"/>
               </a:ext>
               <a:ext uri="{C183D7F6-B498-43B3-948B-1728B52AA6E4}">
-                <adec:decorative xmlns="" xmlns:adec="http://schemas.microsoft.com/office/drawing/2017/decorative" val="1"/>
+                <adec:decorative xmlns:adec="http://schemas.microsoft.com/office/drawing/2017/decorative" xmlns="" val="1"/>
               </a:ext>
             </a:extLst>
           </p:cNvPr>
@@ -8696,7 +8794,7 @@
 </p:sld>
 </file>
 
-<file path=ppt/slides/slide13.xml><?xml version="1.0" encoding="utf-8"?>
+<file path=ppt/slides/slide14.xml><?xml version="1.0" encoding="utf-8"?>
 <p:sld xmlns:a="http://schemas.openxmlformats.org/drawingml/2006/main" xmlns:r="http://schemas.openxmlformats.org/officeDocument/2006/relationships" xmlns:p="http://schemas.openxmlformats.org/presentationml/2006/main">
   <p:cSld>
     <p:spTree>
@@ -8821,7 +8919,7 @@
 </p:sld>
 </file>
 
-<file path=ppt/slides/slide14.xml><?xml version="1.0" encoding="utf-8"?>
+<file path=ppt/slides/slide15.xml><?xml version="1.0" encoding="utf-8"?>
 <p:sld xmlns:a="http://schemas.openxmlformats.org/drawingml/2006/main" xmlns:r="http://schemas.openxmlformats.org/officeDocument/2006/relationships" xmlns:p="http://schemas.openxmlformats.org/presentationml/2006/main">
   <p:cSld>
     <p:bg>
@@ -8867,7 +8965,7 @@
                 <a14:useLocalDpi xmlns:a14="http://schemas.microsoft.com/office/drawing/2010/main" val="0"/>
               </a:ext>
               <a:ext uri="{96DAC541-7B7A-43D3-8B79-37D633B846F1}">
-                <asvg:svgBlip xmlns="" xmlns:asvg="http://schemas.microsoft.com/office/drawing/2016/SVG/main" r:embed="rId4"/>
+                <asvg:svgBlip xmlns:asvg="http://schemas.microsoft.com/office/drawing/2016/SVG/main" xmlns="" r:embed="rId4"/>
               </a:ext>
             </a:extLst>
           </a:blip>
@@ -8893,7 +8991,7 @@
                 <a16:creationId xmlns:a16="http://schemas.microsoft.com/office/drawing/2014/main" id="{1A882A9F-F4E9-4E23-8F0B-20B5DF42EAA9}"/>
               </a:ext>
               <a:ext uri="{C183D7F6-B498-43B3-948B-1728B52AA6E4}">
-                <adec:decorative xmlns="" xmlns:adec="http://schemas.microsoft.com/office/drawing/2017/decorative" val="1"/>
+                <adec:decorative xmlns:adec="http://schemas.microsoft.com/office/drawing/2017/decorative" xmlns="" val="1"/>
               </a:ext>
             </a:extLst>
           </p:cNvPr>
@@ -8987,7 +9085,7 @@
                 <a16:creationId xmlns:a16="http://schemas.microsoft.com/office/drawing/2014/main" id="{FBE9F90C-C163-435B-9A68-D15C92D1CF2B}"/>
               </a:ext>
               <a:ext uri="{C183D7F6-B498-43B3-948B-1728B52AA6E4}">
-                <adec:decorative xmlns="" xmlns:adec="http://schemas.microsoft.com/office/drawing/2017/decorative" val="1"/>
+                <adec:decorative xmlns:adec="http://schemas.microsoft.com/office/drawing/2017/decorative" xmlns="" val="1"/>
               </a:ext>
             </a:extLst>
           </p:cNvPr>
@@ -9081,7 +9179,7 @@
                 <a16:creationId xmlns:a16="http://schemas.microsoft.com/office/drawing/2014/main" id="{CDA1A2E9-63FE-408D-A803-8E306ECAB4B3}"/>
               </a:ext>
               <a:ext uri="{C183D7F6-B498-43B3-948B-1728B52AA6E4}">
-                <adec:decorative xmlns="" xmlns:adec="http://schemas.microsoft.com/office/drawing/2017/decorative" val="1"/>
+                <adec:decorative xmlns:adec="http://schemas.microsoft.com/office/drawing/2017/decorative" xmlns="" val="1"/>
               </a:ext>
             </a:extLst>
           </p:cNvPr>
@@ -9313,7 +9411,7 @@
 </p:sld>
 </file>
 
-<file path=ppt/slides/slide15.xml><?xml version="1.0" encoding="utf-8"?>
+<file path=ppt/slides/slide16.xml><?xml version="1.0" encoding="utf-8"?>
 <p:sld xmlns:a="http://schemas.openxmlformats.org/drawingml/2006/main" xmlns:r="http://schemas.openxmlformats.org/officeDocument/2006/relationships" xmlns:p="http://schemas.openxmlformats.org/presentationml/2006/main">
   <p:cSld>
     <p:bg>
@@ -9346,7 +9444,7 @@
                 <a16:creationId xmlns:a16="http://schemas.microsoft.com/office/drawing/2014/main" id="{0482A7D0-DB09-4EBA-8D52-E6A5934B668D}"/>
               </a:ext>
               <a:ext uri="{C183D7F6-B498-43B3-948B-1728B52AA6E4}">
-                <adec:decorative xmlns:adec="http://schemas.microsoft.com/office/drawing/2017/decorative" xmlns="" val="1"/>
+                <adec:decorative xmlns="" xmlns:adec="http://schemas.microsoft.com/office/drawing/2017/decorative" val="1"/>
               </a:ext>
             </a:extLst>
           </p:cNvPr>
@@ -9435,7 +9533,7 @@
                 <a16:creationId xmlns:a16="http://schemas.microsoft.com/office/drawing/2014/main" id="{1A3688C8-DFCE-4CCD-BCF0-5FB239E5072D}"/>
               </a:ext>
               <a:ext uri="{C183D7F6-B498-43B3-948B-1728B52AA6E4}">
-                <adec:decorative xmlns:adec="http://schemas.microsoft.com/office/drawing/2017/decorative" xmlns="" val="1"/>
+                <adec:decorative xmlns="" xmlns:adec="http://schemas.microsoft.com/office/drawing/2017/decorative" val="1"/>
               </a:ext>
             </a:extLst>
           </p:cNvPr>
@@ -9600,7 +9698,7 @@
                 <a16:creationId xmlns:a16="http://schemas.microsoft.com/office/drawing/2014/main" id="{D598FBE3-48D2-40A2-B7E6-F485834C8213}"/>
               </a:ext>
               <a:ext uri="{C183D7F6-B498-43B3-948B-1728B52AA6E4}">
-                <adec:decorative xmlns:adec="http://schemas.microsoft.com/office/drawing/2017/decorative" xmlns="" val="1"/>
+                <adec:decorative xmlns="" xmlns:adec="http://schemas.microsoft.com/office/drawing/2017/decorative" val="1"/>
               </a:ext>
             </a:extLst>
           </p:cNvPr>
@@ -9655,7 +9753,7 @@
                 <a16:creationId xmlns:a16="http://schemas.microsoft.com/office/drawing/2014/main" id="{8482FDCF-45F3-40F1-8751-19B7AFB3CFCE}"/>
               </a:ext>
               <a:ext uri="{C183D7F6-B498-43B3-948B-1728B52AA6E4}">
-                <adec:decorative xmlns:adec="http://schemas.microsoft.com/office/drawing/2017/decorative" xmlns="" val="1"/>
+                <adec:decorative xmlns="" xmlns:adec="http://schemas.microsoft.com/office/drawing/2017/decorative" val="1"/>
               </a:ext>
             </a:extLst>
           </p:cNvPr>
@@ -9855,7 +9953,7 @@
 </p:sld>
 </file>
 
-<file path=ppt/slides/slide16.xml><?xml version="1.0" encoding="utf-8"?>
+<file path=ppt/slides/slide17.xml><?xml version="1.0" encoding="utf-8"?>
 <p:sld xmlns:a="http://schemas.openxmlformats.org/drawingml/2006/main" xmlns:r="http://schemas.openxmlformats.org/officeDocument/2006/relationships" xmlns:p="http://schemas.openxmlformats.org/presentationml/2006/main">
   <p:cSld>
     <p:bg>
@@ -9901,7 +9999,7 @@
                 <a14:useLocalDpi xmlns:a14="http://schemas.microsoft.com/office/drawing/2010/main" val="0"/>
               </a:ext>
               <a:ext uri="{96DAC541-7B7A-43D3-8B79-37D633B846F1}">
-                <asvg:svgBlip xmlns="" xmlns:asvg="http://schemas.microsoft.com/office/drawing/2016/SVG/main" r:embed="rId3"/>
+                <asvg:svgBlip xmlns:asvg="http://schemas.microsoft.com/office/drawing/2016/SVG/main" xmlns="" r:embed="rId3"/>
               </a:ext>
             </a:extLst>
           </a:blip>
@@ -9927,7 +10025,7 @@
                 <a16:creationId xmlns:a16="http://schemas.microsoft.com/office/drawing/2014/main" id="{1A882A9F-F4E9-4E23-8F0B-20B5DF42EAA9}"/>
               </a:ext>
               <a:ext uri="{C183D7F6-B498-43B3-948B-1728B52AA6E4}">
-                <adec:decorative xmlns="" xmlns:adec="http://schemas.microsoft.com/office/drawing/2017/decorative" val="1"/>
+                <adec:decorative xmlns:adec="http://schemas.microsoft.com/office/drawing/2017/decorative" xmlns="" val="1"/>
               </a:ext>
             </a:extLst>
           </p:cNvPr>
@@ -10021,7 +10119,7 @@
                 <a16:creationId xmlns:a16="http://schemas.microsoft.com/office/drawing/2014/main" id="{FBE9F90C-C163-435B-9A68-D15C92D1CF2B}"/>
               </a:ext>
               <a:ext uri="{C183D7F6-B498-43B3-948B-1728B52AA6E4}">
-                <adec:decorative xmlns="" xmlns:adec="http://schemas.microsoft.com/office/drawing/2017/decorative" val="1"/>
+                <adec:decorative xmlns:adec="http://schemas.microsoft.com/office/drawing/2017/decorative" xmlns="" val="1"/>
               </a:ext>
             </a:extLst>
           </p:cNvPr>
@@ -10115,7 +10213,7 @@
                 <a16:creationId xmlns:a16="http://schemas.microsoft.com/office/drawing/2014/main" id="{CDA1A2E9-63FE-408D-A803-8E306ECAB4B3}"/>
               </a:ext>
               <a:ext uri="{C183D7F6-B498-43B3-948B-1728B52AA6E4}">
-                <adec:decorative xmlns="" xmlns:adec="http://schemas.microsoft.com/office/drawing/2017/decorative" val="1"/>
+                <adec:decorative xmlns:adec="http://schemas.microsoft.com/office/drawing/2017/decorative" xmlns="" val="1"/>
               </a:ext>
             </a:extLst>
           </p:cNvPr>
@@ -10341,7 +10439,7 @@
                 <a14:useLocalDpi xmlns:a14="http://schemas.microsoft.com/office/drawing/2010/main" val="0"/>
               </a:ext>
               <a:ext uri="{96DAC541-7B7A-43D3-8B79-37D633B846F1}">
-                <asvg:svgBlip xmlns="" xmlns:asvg="http://schemas.microsoft.com/office/drawing/2016/SVG/main" r:embed="rId3"/>
+                <asvg:svgBlip xmlns:asvg="http://schemas.microsoft.com/office/drawing/2016/SVG/main" xmlns="" r:embed="rId3"/>
               </a:ext>
             </a:extLst>
           </a:blip>
@@ -10503,7 +10601,7 @@
                 <a16:creationId xmlns:a16="http://schemas.microsoft.com/office/drawing/2014/main" id="{F98ED85F-DCEE-4B50-802E-71A6E3E12B04}"/>
               </a:ext>
               <a:ext uri="{C183D7F6-B498-43B3-948B-1728B52AA6E4}">
-                <adec:decorative xmlns="" xmlns:adec="http://schemas.microsoft.com/office/drawing/2017/decorative" val="1"/>
+                <adec:decorative xmlns:adec="http://schemas.microsoft.com/office/drawing/2017/decorative" xmlns="" val="1"/>
               </a:ext>
             </a:extLst>
           </p:cNvPr>
@@ -10780,11 +10878,7 @@
           <a:p>
             <a:r>
               <a:rPr lang="en-US" sz="3600" dirty="0" smtClean="0"/>
-              <a:t>Lab – </a:t>
-            </a:r>
-            <a:r>
-              <a:rPr lang="en-US" sz="3600" dirty="0" smtClean="0"/>
-              <a:t>D </a:t>
+              <a:t>Lab – D </a:t>
             </a:r>
             <a:endParaRPr lang="en-US" sz="3600" dirty="0"/>
           </a:p>
